--- a/Predstavitev/osebnotrenerstvo.pptx
+++ b/Predstavitev/osebnotrenerstvo.pptx
@@ -11,6 +11,7 @@
     <p:sldId id="259" r:id="rId5"/>
     <p:sldId id="260" r:id="rId6"/>
     <p:sldId id="261" r:id="rId7"/>
+    <p:sldId id="262" r:id="rId8"/>
   </p:sldIdLst>
   <p:sldSz cx="12192000" cy="6858000"/>
   <p:notesSz cx="6858000" cy="9144000"/>
@@ -109,6 +110,11 @@
       </a:defRPr>
     </a:lvl9pPr>
   </p:defaultTextStyle>
+  <p:extLst>
+    <p:ext uri="{EFAFB233-063F-42B5-8137-9DF3F51BA10A}">
+      <p15:sldGuideLst xmlns:p15="http://schemas.microsoft.com/office/powerpoint/2012/main"/>
+    </p:ext>
+  </p:extLst>
 </p:presentation>
 </file>
 
@@ -3241,6 +3247,788 @@
 </file>
 
 <file path=ppt/diagrams/colors5.xml><?xml version="1.0" encoding="utf-8"?>
+<dgm:colorsDef xmlns:dgm="http://schemas.openxmlformats.org/drawingml/2006/diagram" xmlns:a="http://schemas.openxmlformats.org/drawingml/2006/main" uniqueId="urn:microsoft.com/office/officeart/2005/8/colors/colorful2">
+  <dgm:title val=""/>
+  <dgm:desc val=""/>
+  <dgm:catLst>
+    <dgm:cat type="colorful" pri="10200"/>
+  </dgm:catLst>
+  <dgm:styleLbl name="node0">
+    <dgm:fillClrLst meth="repeat">
+      <a:schemeClr val="accent1"/>
+    </dgm:fillClrLst>
+    <dgm:linClrLst meth="repeat">
+      <a:schemeClr val="lt1"/>
+    </dgm:linClrLst>
+    <dgm:effectClrLst/>
+    <dgm:txLinClrLst/>
+    <dgm:txFillClrLst/>
+    <dgm:txEffectClrLst/>
+  </dgm:styleLbl>
+  <dgm:styleLbl name="node1">
+    <dgm:fillClrLst>
+      <a:schemeClr val="accent2"/>
+      <a:schemeClr val="accent3"/>
+    </dgm:fillClrLst>
+    <dgm:linClrLst meth="repeat">
+      <a:schemeClr val="lt1"/>
+    </dgm:linClrLst>
+    <dgm:effectClrLst/>
+    <dgm:txLinClrLst/>
+    <dgm:txFillClrLst/>
+    <dgm:txEffectClrLst/>
+  </dgm:styleLbl>
+  <dgm:styleLbl name="alignNode1">
+    <dgm:fillClrLst>
+      <a:schemeClr val="accent2"/>
+      <a:schemeClr val="accent3"/>
+    </dgm:fillClrLst>
+    <dgm:linClrLst>
+      <a:schemeClr val="accent2"/>
+      <a:schemeClr val="accent3"/>
+    </dgm:linClrLst>
+    <dgm:effectClrLst/>
+    <dgm:txLinClrLst/>
+    <dgm:txFillClrLst/>
+    <dgm:txEffectClrLst/>
+  </dgm:styleLbl>
+  <dgm:styleLbl name="lnNode1">
+    <dgm:fillClrLst>
+      <a:schemeClr val="accent2"/>
+      <a:schemeClr val="accent3"/>
+    </dgm:fillClrLst>
+    <dgm:linClrLst meth="repeat">
+      <a:schemeClr val="lt1"/>
+    </dgm:linClrLst>
+    <dgm:effectClrLst/>
+    <dgm:txLinClrLst/>
+    <dgm:txFillClrLst/>
+    <dgm:txEffectClrLst/>
+  </dgm:styleLbl>
+  <dgm:styleLbl name="vennNode1">
+    <dgm:fillClrLst>
+      <a:schemeClr val="accent2">
+        <a:alpha val="50000"/>
+      </a:schemeClr>
+      <a:schemeClr val="accent3">
+        <a:alpha val="50000"/>
+      </a:schemeClr>
+    </dgm:fillClrLst>
+    <dgm:linClrLst meth="repeat">
+      <a:schemeClr val="lt1"/>
+    </dgm:linClrLst>
+    <dgm:effectClrLst/>
+    <dgm:txLinClrLst/>
+    <dgm:txFillClrLst/>
+    <dgm:txEffectClrLst/>
+  </dgm:styleLbl>
+  <dgm:styleLbl name="node2">
+    <dgm:fillClrLst>
+      <a:schemeClr val="accent3"/>
+    </dgm:fillClrLst>
+    <dgm:linClrLst meth="repeat">
+      <a:schemeClr val="lt1"/>
+    </dgm:linClrLst>
+    <dgm:effectClrLst/>
+    <dgm:txLinClrLst/>
+    <dgm:txFillClrLst/>
+    <dgm:txEffectClrLst/>
+  </dgm:styleLbl>
+  <dgm:styleLbl name="node3">
+    <dgm:fillClrLst>
+      <a:schemeClr val="accent4"/>
+    </dgm:fillClrLst>
+    <dgm:linClrLst meth="repeat">
+      <a:schemeClr val="lt1"/>
+    </dgm:linClrLst>
+    <dgm:effectClrLst/>
+    <dgm:txLinClrLst/>
+    <dgm:txFillClrLst/>
+    <dgm:txEffectClrLst/>
+  </dgm:styleLbl>
+  <dgm:styleLbl name="node4">
+    <dgm:fillClrLst>
+      <a:schemeClr val="accent5"/>
+    </dgm:fillClrLst>
+    <dgm:linClrLst meth="repeat">
+      <a:schemeClr val="lt1"/>
+    </dgm:linClrLst>
+    <dgm:effectClrLst/>
+    <dgm:txLinClrLst/>
+    <dgm:txFillClrLst/>
+    <dgm:txEffectClrLst/>
+  </dgm:styleLbl>
+  <dgm:styleLbl name="fgImgPlace1">
+    <dgm:fillClrLst>
+      <a:schemeClr val="accent2">
+        <a:tint val="50000"/>
+      </a:schemeClr>
+      <a:schemeClr val="accent3">
+        <a:tint val="50000"/>
+      </a:schemeClr>
+    </dgm:fillClrLst>
+    <dgm:linClrLst meth="repeat">
+      <a:schemeClr val="lt1"/>
+    </dgm:linClrLst>
+    <dgm:effectClrLst/>
+    <dgm:txLinClrLst/>
+    <dgm:txFillClrLst meth="repeat">
+      <a:schemeClr val="lt1"/>
+    </dgm:txFillClrLst>
+    <dgm:txEffectClrLst/>
+  </dgm:styleLbl>
+  <dgm:styleLbl name="alignImgPlace1">
+    <dgm:fillClrLst>
+      <a:schemeClr val="accent2">
+        <a:tint val="50000"/>
+      </a:schemeClr>
+      <a:schemeClr val="accent3">
+        <a:tint val="20000"/>
+      </a:schemeClr>
+    </dgm:fillClrLst>
+    <dgm:linClrLst meth="repeat">
+      <a:schemeClr val="lt1"/>
+    </dgm:linClrLst>
+    <dgm:effectClrLst/>
+    <dgm:txLinClrLst/>
+    <dgm:txFillClrLst meth="repeat">
+      <a:schemeClr val="lt1"/>
+    </dgm:txFillClrLst>
+    <dgm:txEffectClrLst/>
+  </dgm:styleLbl>
+  <dgm:styleLbl name="bgImgPlace1">
+    <dgm:fillClrLst>
+      <a:schemeClr val="accent2">
+        <a:tint val="50000"/>
+      </a:schemeClr>
+      <a:schemeClr val="accent3">
+        <a:tint val="20000"/>
+      </a:schemeClr>
+    </dgm:fillClrLst>
+    <dgm:linClrLst meth="repeat">
+      <a:schemeClr val="lt1"/>
+    </dgm:linClrLst>
+    <dgm:effectClrLst/>
+    <dgm:txLinClrLst/>
+    <dgm:txFillClrLst meth="repeat">
+      <a:schemeClr val="lt1"/>
+    </dgm:txFillClrLst>
+    <dgm:txEffectClrLst/>
+  </dgm:styleLbl>
+  <dgm:styleLbl name="sibTrans2D1">
+    <dgm:fillClrLst>
+      <a:schemeClr val="accent2"/>
+      <a:schemeClr val="accent3"/>
+    </dgm:fillClrLst>
+    <dgm:linClrLst meth="repeat">
+      <a:schemeClr val="lt1"/>
+    </dgm:linClrLst>
+    <dgm:effectClrLst/>
+    <dgm:txLinClrLst/>
+    <dgm:txFillClrLst/>
+    <dgm:txEffectClrLst/>
+  </dgm:styleLbl>
+  <dgm:styleLbl name="fgSibTrans2D1">
+    <dgm:fillClrLst>
+      <a:schemeClr val="accent2"/>
+      <a:schemeClr val="accent3"/>
+    </dgm:fillClrLst>
+    <dgm:linClrLst meth="repeat">
+      <a:schemeClr val="lt1"/>
+    </dgm:linClrLst>
+    <dgm:effectClrLst/>
+    <dgm:txLinClrLst/>
+    <dgm:txFillClrLst meth="repeat">
+      <a:schemeClr val="lt1"/>
+    </dgm:txFillClrLst>
+    <dgm:txEffectClrLst/>
+  </dgm:styleLbl>
+  <dgm:styleLbl name="bgSibTrans2D1">
+    <dgm:fillClrLst>
+      <a:schemeClr val="accent2"/>
+      <a:schemeClr val="accent3"/>
+    </dgm:fillClrLst>
+    <dgm:linClrLst meth="repeat">
+      <a:schemeClr val="lt1"/>
+    </dgm:linClrLst>
+    <dgm:effectClrLst/>
+    <dgm:txLinClrLst/>
+    <dgm:txFillClrLst meth="repeat">
+      <a:schemeClr val="lt1"/>
+    </dgm:txFillClrLst>
+    <dgm:txEffectClrLst/>
+  </dgm:styleLbl>
+  <dgm:styleLbl name="sibTrans1D1">
+    <dgm:fillClrLst/>
+    <dgm:linClrLst>
+      <a:schemeClr val="accent2"/>
+      <a:schemeClr val="accent3"/>
+    </dgm:linClrLst>
+    <dgm:effectClrLst/>
+    <dgm:txLinClrLst/>
+    <dgm:txFillClrLst meth="repeat">
+      <a:schemeClr val="tx1"/>
+    </dgm:txFillClrLst>
+    <dgm:txEffectClrLst/>
+  </dgm:styleLbl>
+  <dgm:styleLbl name="callout">
+    <dgm:fillClrLst meth="repeat">
+      <a:schemeClr val="accent2"/>
+    </dgm:fillClrLst>
+    <dgm:linClrLst meth="repeat">
+      <a:schemeClr val="accent2">
+        <a:tint val="50000"/>
+      </a:schemeClr>
+    </dgm:linClrLst>
+    <dgm:effectClrLst/>
+    <dgm:txLinClrLst/>
+    <dgm:txFillClrLst meth="repeat">
+      <a:schemeClr val="tx1"/>
+    </dgm:txFillClrLst>
+    <dgm:txEffectClrLst/>
+  </dgm:styleLbl>
+  <dgm:styleLbl name="asst0">
+    <dgm:fillClrLst meth="repeat">
+      <a:schemeClr val="accent2"/>
+    </dgm:fillClrLst>
+    <dgm:linClrLst meth="repeat">
+      <a:schemeClr val="lt1">
+        <a:shade val="80000"/>
+      </a:schemeClr>
+    </dgm:linClrLst>
+    <dgm:effectClrLst/>
+    <dgm:txLinClrLst/>
+    <dgm:txFillClrLst/>
+    <dgm:txEffectClrLst/>
+  </dgm:styleLbl>
+  <dgm:styleLbl name="asst1">
+    <dgm:fillClrLst meth="repeat">
+      <a:schemeClr val="accent3"/>
+    </dgm:fillClrLst>
+    <dgm:linClrLst meth="repeat">
+      <a:schemeClr val="lt1">
+        <a:shade val="80000"/>
+      </a:schemeClr>
+    </dgm:linClrLst>
+    <dgm:effectClrLst/>
+    <dgm:txLinClrLst/>
+    <dgm:txFillClrLst/>
+    <dgm:txEffectClrLst/>
+  </dgm:styleLbl>
+  <dgm:styleLbl name="asst2">
+    <dgm:fillClrLst>
+      <a:schemeClr val="accent4"/>
+    </dgm:fillClrLst>
+    <dgm:linClrLst meth="repeat">
+      <a:schemeClr val="lt1"/>
+    </dgm:linClrLst>
+    <dgm:effectClrLst/>
+    <dgm:txLinClrLst/>
+    <dgm:txFillClrLst/>
+    <dgm:txEffectClrLst/>
+  </dgm:styleLbl>
+  <dgm:styleLbl name="asst3">
+    <dgm:fillClrLst>
+      <a:schemeClr val="accent5"/>
+    </dgm:fillClrLst>
+    <dgm:linClrLst meth="repeat">
+      <a:schemeClr val="lt1"/>
+    </dgm:linClrLst>
+    <dgm:effectClrLst/>
+    <dgm:txLinClrLst/>
+    <dgm:txFillClrLst/>
+    <dgm:txEffectClrLst/>
+  </dgm:styleLbl>
+  <dgm:styleLbl name="asst4">
+    <dgm:fillClrLst>
+      <a:schemeClr val="accent6"/>
+    </dgm:fillClrLst>
+    <dgm:linClrLst meth="repeat">
+      <a:schemeClr val="lt1"/>
+    </dgm:linClrLst>
+    <dgm:effectClrLst/>
+    <dgm:txLinClrLst/>
+    <dgm:txFillClrLst/>
+    <dgm:txEffectClrLst/>
+  </dgm:styleLbl>
+  <dgm:styleLbl name="parChTrans2D1">
+    <dgm:fillClrLst meth="repeat">
+      <a:schemeClr val="accent2"/>
+    </dgm:fillClrLst>
+    <dgm:linClrLst meth="repeat">
+      <a:schemeClr val="lt1"/>
+    </dgm:linClrLst>
+    <dgm:effectClrLst/>
+    <dgm:txLinClrLst/>
+    <dgm:txFillClrLst meth="repeat">
+      <a:schemeClr val="lt1"/>
+    </dgm:txFillClrLst>
+    <dgm:txEffectClrLst/>
+  </dgm:styleLbl>
+  <dgm:styleLbl name="parChTrans2D2">
+    <dgm:fillClrLst meth="repeat">
+      <a:schemeClr val="accent3"/>
+    </dgm:fillClrLst>
+    <dgm:linClrLst meth="repeat">
+      <a:schemeClr val="lt1"/>
+    </dgm:linClrLst>
+    <dgm:effectClrLst/>
+    <dgm:txLinClrLst/>
+    <dgm:txFillClrLst/>
+    <dgm:txEffectClrLst/>
+  </dgm:styleLbl>
+  <dgm:styleLbl name="parChTrans2D3">
+    <dgm:fillClrLst meth="repeat">
+      <a:schemeClr val="accent4"/>
+    </dgm:fillClrLst>
+    <dgm:linClrLst meth="repeat">
+      <a:schemeClr val="lt1"/>
+    </dgm:linClrLst>
+    <dgm:effectClrLst/>
+    <dgm:txLinClrLst/>
+    <dgm:txFillClrLst/>
+    <dgm:txEffectClrLst/>
+  </dgm:styleLbl>
+  <dgm:styleLbl name="parChTrans2D4">
+    <dgm:fillClrLst meth="repeat">
+      <a:schemeClr val="accent5"/>
+    </dgm:fillClrLst>
+    <dgm:linClrLst meth="repeat">
+      <a:schemeClr val="lt1"/>
+    </dgm:linClrLst>
+    <dgm:effectClrLst/>
+    <dgm:txLinClrLst/>
+    <dgm:txFillClrLst meth="repeat">
+      <a:schemeClr val="lt1"/>
+    </dgm:txFillClrLst>
+    <dgm:txEffectClrLst/>
+  </dgm:styleLbl>
+  <dgm:styleLbl name="parChTrans1D1">
+    <dgm:fillClrLst meth="repeat">
+      <a:schemeClr val="accent2"/>
+    </dgm:fillClrLst>
+    <dgm:linClrLst meth="repeat">
+      <a:schemeClr val="accent2"/>
+    </dgm:linClrLst>
+    <dgm:effectClrLst/>
+    <dgm:txLinClrLst/>
+    <dgm:txFillClrLst meth="repeat">
+      <a:schemeClr val="tx1"/>
+    </dgm:txFillClrLst>
+    <dgm:txEffectClrLst/>
+  </dgm:styleLbl>
+  <dgm:styleLbl name="parChTrans1D2">
+    <dgm:fillClrLst meth="repeat">
+      <a:schemeClr val="accent2">
+        <a:tint val="90000"/>
+      </a:schemeClr>
+    </dgm:fillClrLst>
+    <dgm:linClrLst meth="repeat">
+      <a:schemeClr val="accent3"/>
+    </dgm:linClrLst>
+    <dgm:effectClrLst/>
+    <dgm:txLinClrLst/>
+    <dgm:txFillClrLst meth="repeat">
+      <a:schemeClr val="tx1"/>
+    </dgm:txFillClrLst>
+    <dgm:txEffectClrLst/>
+  </dgm:styleLbl>
+  <dgm:styleLbl name="parChTrans1D3">
+    <dgm:fillClrLst meth="repeat">
+      <a:schemeClr val="accent2">
+        <a:tint val="70000"/>
+      </a:schemeClr>
+    </dgm:fillClrLst>
+    <dgm:linClrLst meth="repeat">
+      <a:schemeClr val="accent4"/>
+    </dgm:linClrLst>
+    <dgm:effectClrLst/>
+    <dgm:txLinClrLst/>
+    <dgm:txFillClrLst meth="repeat">
+      <a:schemeClr val="tx1"/>
+    </dgm:txFillClrLst>
+    <dgm:txEffectClrLst/>
+  </dgm:styleLbl>
+  <dgm:styleLbl name="parChTrans1D4">
+    <dgm:fillClrLst meth="repeat">
+      <a:schemeClr val="accent2">
+        <a:tint val="50000"/>
+      </a:schemeClr>
+    </dgm:fillClrLst>
+    <dgm:linClrLst meth="repeat">
+      <a:schemeClr val="accent5"/>
+    </dgm:linClrLst>
+    <dgm:effectClrLst/>
+    <dgm:txLinClrLst/>
+    <dgm:txFillClrLst meth="repeat">
+      <a:schemeClr val="tx1"/>
+    </dgm:txFillClrLst>
+    <dgm:txEffectClrLst/>
+  </dgm:styleLbl>
+  <dgm:styleLbl name="fgAcc1">
+    <dgm:fillClrLst meth="repeat">
+      <a:schemeClr val="lt1">
+        <a:alpha val="90000"/>
+      </a:schemeClr>
+    </dgm:fillClrLst>
+    <dgm:linClrLst>
+      <a:schemeClr val="accent2"/>
+      <a:schemeClr val="accent3"/>
+    </dgm:linClrLst>
+    <dgm:effectClrLst/>
+    <dgm:txLinClrLst/>
+    <dgm:txFillClrLst meth="repeat">
+      <a:schemeClr val="dk1"/>
+    </dgm:txFillClrLst>
+    <dgm:txEffectClrLst/>
+  </dgm:styleLbl>
+  <dgm:styleLbl name="conFgAcc1">
+    <dgm:fillClrLst meth="repeat">
+      <a:schemeClr val="lt1">
+        <a:alpha val="90000"/>
+      </a:schemeClr>
+    </dgm:fillClrLst>
+    <dgm:linClrLst>
+      <a:schemeClr val="accent2"/>
+      <a:schemeClr val="accent3"/>
+    </dgm:linClrLst>
+    <dgm:effectClrLst/>
+    <dgm:txLinClrLst/>
+    <dgm:txFillClrLst meth="repeat">
+      <a:schemeClr val="dk1"/>
+    </dgm:txFillClrLst>
+    <dgm:txEffectClrLst/>
+  </dgm:styleLbl>
+  <dgm:styleLbl name="alignAcc1">
+    <dgm:fillClrLst meth="repeat">
+      <a:schemeClr val="lt1">
+        <a:alpha val="90000"/>
+      </a:schemeClr>
+    </dgm:fillClrLst>
+    <dgm:linClrLst>
+      <a:schemeClr val="accent2"/>
+      <a:schemeClr val="accent3"/>
+    </dgm:linClrLst>
+    <dgm:effectClrLst/>
+    <dgm:txLinClrLst/>
+    <dgm:txFillClrLst meth="repeat">
+      <a:schemeClr val="dk1"/>
+    </dgm:txFillClrLst>
+    <dgm:txEffectClrLst/>
+  </dgm:styleLbl>
+  <dgm:styleLbl name="trAlignAcc1">
+    <dgm:fillClrLst meth="repeat">
+      <a:schemeClr val="lt1">
+        <a:alpha val="40000"/>
+      </a:schemeClr>
+    </dgm:fillClrLst>
+    <dgm:linClrLst meth="repeat">
+      <a:schemeClr val="accent2"/>
+    </dgm:linClrLst>
+    <dgm:effectClrLst/>
+    <dgm:txLinClrLst/>
+    <dgm:txFillClrLst meth="repeat">
+      <a:schemeClr val="dk1"/>
+    </dgm:txFillClrLst>
+    <dgm:txEffectClrLst/>
+  </dgm:styleLbl>
+  <dgm:styleLbl name="bgAcc1">
+    <dgm:fillClrLst meth="repeat">
+      <a:schemeClr val="lt1">
+        <a:alpha val="90000"/>
+      </a:schemeClr>
+    </dgm:fillClrLst>
+    <dgm:linClrLst>
+      <a:schemeClr val="accent2"/>
+      <a:schemeClr val="accent3"/>
+    </dgm:linClrLst>
+    <dgm:effectClrLst/>
+    <dgm:txLinClrLst/>
+    <dgm:txFillClrLst meth="repeat">
+      <a:schemeClr val="dk1"/>
+    </dgm:txFillClrLst>
+    <dgm:txEffectClrLst/>
+  </dgm:styleLbl>
+  <dgm:styleLbl name="solidFgAcc1">
+    <dgm:fillClrLst meth="repeat">
+      <a:schemeClr val="lt1"/>
+    </dgm:fillClrLst>
+    <dgm:linClrLst>
+      <a:schemeClr val="accent2"/>
+      <a:schemeClr val="accent3"/>
+    </dgm:linClrLst>
+    <dgm:effectClrLst/>
+    <dgm:txLinClrLst/>
+    <dgm:txFillClrLst meth="repeat">
+      <a:schemeClr val="dk1"/>
+    </dgm:txFillClrLst>
+    <dgm:txEffectClrLst/>
+  </dgm:styleLbl>
+  <dgm:styleLbl name="solidAlignAcc1">
+    <dgm:fillClrLst meth="repeat">
+      <a:schemeClr val="lt1"/>
+    </dgm:fillClrLst>
+    <dgm:linClrLst>
+      <a:schemeClr val="accent2"/>
+      <a:schemeClr val="accent3"/>
+    </dgm:linClrLst>
+    <dgm:effectClrLst/>
+    <dgm:txLinClrLst/>
+    <dgm:txFillClrLst meth="repeat">
+      <a:schemeClr val="dk1"/>
+    </dgm:txFillClrLst>
+    <dgm:txEffectClrLst/>
+  </dgm:styleLbl>
+  <dgm:styleLbl name="solidBgAcc1">
+    <dgm:fillClrLst meth="repeat">
+      <a:schemeClr val="lt1"/>
+    </dgm:fillClrLst>
+    <dgm:linClrLst>
+      <a:schemeClr val="accent2"/>
+      <a:schemeClr val="accent3"/>
+    </dgm:linClrLst>
+    <dgm:effectClrLst/>
+    <dgm:txLinClrLst/>
+    <dgm:txFillClrLst meth="repeat">
+      <a:schemeClr val="dk1"/>
+    </dgm:txFillClrLst>
+    <dgm:txEffectClrLst/>
+  </dgm:styleLbl>
+  <dgm:styleLbl name="fgAccFollowNode1">
+    <dgm:fillClrLst>
+      <a:schemeClr val="accent2">
+        <a:tint val="40000"/>
+        <a:alpha val="90000"/>
+      </a:schemeClr>
+      <a:schemeClr val="accent3">
+        <a:tint val="40000"/>
+        <a:alpha val="90000"/>
+      </a:schemeClr>
+    </dgm:fillClrLst>
+    <dgm:linClrLst>
+      <a:schemeClr val="accent2">
+        <a:tint val="40000"/>
+        <a:alpha val="90000"/>
+      </a:schemeClr>
+      <a:schemeClr val="accent3">
+        <a:tint val="40000"/>
+        <a:alpha val="90000"/>
+      </a:schemeClr>
+    </dgm:linClrLst>
+    <dgm:effectClrLst/>
+    <dgm:txLinClrLst/>
+    <dgm:txFillClrLst meth="repeat">
+      <a:schemeClr val="dk1"/>
+    </dgm:txFillClrLst>
+    <dgm:txEffectClrLst/>
+  </dgm:styleLbl>
+  <dgm:styleLbl name="alignAccFollowNode1">
+    <dgm:fillClrLst>
+      <a:schemeClr val="accent2">
+        <a:tint val="40000"/>
+        <a:alpha val="90000"/>
+      </a:schemeClr>
+      <a:schemeClr val="accent3">
+        <a:tint val="40000"/>
+        <a:alpha val="90000"/>
+      </a:schemeClr>
+    </dgm:fillClrLst>
+    <dgm:linClrLst>
+      <a:schemeClr val="accent2">
+        <a:tint val="40000"/>
+        <a:alpha val="90000"/>
+      </a:schemeClr>
+      <a:schemeClr val="accent3">
+        <a:tint val="40000"/>
+        <a:alpha val="90000"/>
+      </a:schemeClr>
+    </dgm:linClrLst>
+    <dgm:effectClrLst/>
+    <dgm:txLinClrLst/>
+    <dgm:txFillClrLst meth="repeat">
+      <a:schemeClr val="dk1"/>
+    </dgm:txFillClrLst>
+    <dgm:txEffectClrLst/>
+  </dgm:styleLbl>
+  <dgm:styleLbl name="bgAccFollowNode1">
+    <dgm:fillClrLst>
+      <a:schemeClr val="accent2">
+        <a:tint val="40000"/>
+        <a:alpha val="90000"/>
+      </a:schemeClr>
+      <a:schemeClr val="accent3">
+        <a:tint val="40000"/>
+        <a:alpha val="90000"/>
+      </a:schemeClr>
+    </dgm:fillClrLst>
+    <dgm:linClrLst>
+      <a:schemeClr val="accent2">
+        <a:tint val="40000"/>
+        <a:alpha val="90000"/>
+      </a:schemeClr>
+      <a:schemeClr val="accent3">
+        <a:tint val="40000"/>
+        <a:alpha val="90000"/>
+      </a:schemeClr>
+    </dgm:linClrLst>
+    <dgm:effectClrLst/>
+    <dgm:txLinClrLst/>
+    <dgm:txFillClrLst meth="repeat">
+      <a:schemeClr val="dk1"/>
+    </dgm:txFillClrLst>
+    <dgm:txEffectClrLst/>
+  </dgm:styleLbl>
+  <dgm:styleLbl name="fgAcc0">
+    <dgm:fillClrLst meth="repeat">
+      <a:schemeClr val="lt1">
+        <a:alpha val="90000"/>
+      </a:schemeClr>
+    </dgm:fillClrLst>
+    <dgm:linClrLst>
+      <a:schemeClr val="accent1"/>
+    </dgm:linClrLst>
+    <dgm:effectClrLst/>
+    <dgm:txLinClrLst/>
+    <dgm:txFillClrLst meth="repeat">
+      <a:schemeClr val="dk1"/>
+    </dgm:txFillClrLst>
+    <dgm:txEffectClrLst/>
+  </dgm:styleLbl>
+  <dgm:styleLbl name="fgAcc2">
+    <dgm:fillClrLst meth="repeat">
+      <a:schemeClr val="lt1">
+        <a:alpha val="90000"/>
+      </a:schemeClr>
+    </dgm:fillClrLst>
+    <dgm:linClrLst>
+      <a:schemeClr val="accent3"/>
+    </dgm:linClrLst>
+    <dgm:effectClrLst/>
+    <dgm:txLinClrLst/>
+    <dgm:txFillClrLst meth="repeat">
+      <a:schemeClr val="dk1"/>
+    </dgm:txFillClrLst>
+    <dgm:txEffectClrLst/>
+  </dgm:styleLbl>
+  <dgm:styleLbl name="fgAcc3">
+    <dgm:fillClrLst meth="repeat">
+      <a:schemeClr val="lt1">
+        <a:alpha val="90000"/>
+      </a:schemeClr>
+    </dgm:fillClrLst>
+    <dgm:linClrLst>
+      <a:schemeClr val="accent4"/>
+    </dgm:linClrLst>
+    <dgm:effectClrLst/>
+    <dgm:txLinClrLst/>
+    <dgm:txFillClrLst meth="repeat">
+      <a:schemeClr val="dk1"/>
+    </dgm:txFillClrLst>
+    <dgm:txEffectClrLst/>
+  </dgm:styleLbl>
+  <dgm:styleLbl name="fgAcc4">
+    <dgm:fillClrLst meth="repeat">
+      <a:schemeClr val="lt1">
+        <a:alpha val="90000"/>
+      </a:schemeClr>
+    </dgm:fillClrLst>
+    <dgm:linClrLst>
+      <a:schemeClr val="accent5"/>
+    </dgm:linClrLst>
+    <dgm:effectClrLst/>
+    <dgm:txLinClrLst/>
+    <dgm:txFillClrLst meth="repeat">
+      <a:schemeClr val="dk1"/>
+    </dgm:txFillClrLst>
+    <dgm:txEffectClrLst/>
+  </dgm:styleLbl>
+  <dgm:styleLbl name="bgShp">
+    <dgm:fillClrLst meth="repeat">
+      <a:schemeClr val="accent2">
+        <a:tint val="40000"/>
+      </a:schemeClr>
+    </dgm:fillClrLst>
+    <dgm:linClrLst meth="repeat">
+      <a:schemeClr val="dk1"/>
+    </dgm:linClrLst>
+    <dgm:effectClrLst/>
+    <dgm:txLinClrLst/>
+    <dgm:txFillClrLst meth="repeat">
+      <a:schemeClr val="dk1"/>
+    </dgm:txFillClrLst>
+    <dgm:txEffectClrLst/>
+  </dgm:styleLbl>
+  <dgm:styleLbl name="dkBgShp">
+    <dgm:fillClrLst meth="repeat">
+      <a:schemeClr val="accent2">
+        <a:shade val="90000"/>
+      </a:schemeClr>
+    </dgm:fillClrLst>
+    <dgm:linClrLst meth="repeat">
+      <a:schemeClr val="dk1"/>
+    </dgm:linClrLst>
+    <dgm:effectClrLst/>
+    <dgm:txLinClrLst/>
+    <dgm:txFillClrLst meth="repeat">
+      <a:schemeClr val="lt1"/>
+    </dgm:txFillClrLst>
+    <dgm:txEffectClrLst/>
+  </dgm:styleLbl>
+  <dgm:styleLbl name="trBgShp">
+    <dgm:fillClrLst meth="repeat">
+      <a:schemeClr val="accent2">
+        <a:tint val="50000"/>
+        <a:alpha val="40000"/>
+      </a:schemeClr>
+    </dgm:fillClrLst>
+    <dgm:linClrLst meth="repeat">
+      <a:schemeClr val="accent2"/>
+    </dgm:linClrLst>
+    <dgm:effectClrLst/>
+    <dgm:txLinClrLst/>
+    <dgm:txFillClrLst meth="repeat">
+      <a:schemeClr val="lt1"/>
+    </dgm:txFillClrLst>
+    <dgm:txEffectClrLst/>
+  </dgm:styleLbl>
+  <dgm:styleLbl name="fgShp">
+    <dgm:fillClrLst meth="repeat">
+      <a:schemeClr val="accent2">
+        <a:tint val="40000"/>
+      </a:schemeClr>
+    </dgm:fillClrLst>
+    <dgm:linClrLst meth="repeat">
+      <a:schemeClr val="lt1"/>
+    </dgm:linClrLst>
+    <dgm:effectClrLst/>
+    <dgm:txLinClrLst/>
+    <dgm:txFillClrLst meth="repeat">
+      <a:schemeClr val="dk1"/>
+    </dgm:txFillClrLst>
+    <dgm:txEffectClrLst/>
+  </dgm:styleLbl>
+  <dgm:styleLbl name="revTx">
+    <dgm:fillClrLst meth="repeat">
+      <a:schemeClr val="lt1">
+        <a:alpha val="0"/>
+      </a:schemeClr>
+    </dgm:fillClrLst>
+    <dgm:linClrLst meth="repeat">
+      <a:schemeClr val="dk1">
+        <a:alpha val="0"/>
+      </a:schemeClr>
+    </dgm:linClrLst>
+    <dgm:effectClrLst/>
+    <dgm:txLinClrLst/>
+    <dgm:txFillClrLst meth="repeat">
+      <a:schemeClr val="tx1"/>
+    </dgm:txFillClrLst>
+    <dgm:txEffectClrLst/>
+  </dgm:styleLbl>
+</dgm:colorsDef>
+</file>
+
+<file path=ppt/diagrams/colors6.xml><?xml version="1.0" encoding="utf-8"?>
 <dgm:colorsDef xmlns:dgm="http://schemas.openxmlformats.org/drawingml/2006/diagram" xmlns:a="http://schemas.openxmlformats.org/drawingml/2006/main" uniqueId="urn:microsoft.com/office/officeart/2005/8/colors/colorful2">
   <dgm:title val=""/>
   <dgm:desc val=""/>
@@ -5295,6 +6083,218 @@
     <dgm:cxn modelId="{2215D53D-576F-4F2E-8E16-B3E5CCED72B0}" type="presParOf" srcId="{DCA421FB-B374-4331-848F-013B60C3C63F}" destId="{C1B2257F-12CC-4C06-9FD0-17A8FB2D28CC}" srcOrd="2" destOrd="0" presId="urn:microsoft.com/office/officeart/2005/8/layout/vList2"/>
     <dgm:cxn modelId="{80E890FD-F5D3-4495-8A55-E8C3C999CCC2}" type="presParOf" srcId="{DCA421FB-B374-4331-848F-013B60C3C63F}" destId="{08D66B6B-2020-4E72-9149-73A084AAFECA}" srcOrd="3" destOrd="0" presId="urn:microsoft.com/office/officeart/2005/8/layout/vList2"/>
     <dgm:cxn modelId="{38D71473-3615-45F2-BA2D-21091399B8E0}" type="presParOf" srcId="{DCA421FB-B374-4331-848F-013B60C3C63F}" destId="{5FAA53E9-D2B2-476D-ADDA-458BB407BF54}" srcOrd="4" destOrd="0" presId="urn:microsoft.com/office/officeart/2005/8/layout/vList2"/>
+  </dgm:cxnLst>
+  <dgm:bg/>
+  <dgm:whole/>
+  <dgm:extLst>
+    <a:ext uri="http://schemas.microsoft.com/office/drawing/2008/diagram">
+      <dsp:dataModelExt xmlns:dsp="http://schemas.microsoft.com/office/drawing/2008/diagram" relId="rId6" minVer="http://schemas.openxmlformats.org/drawingml/2006/diagram"/>
+    </a:ext>
+  </dgm:extLst>
+</dgm:dataModel>
+</file>
+
+<file path=ppt/diagrams/data6.xml><?xml version="1.0" encoding="utf-8"?>
+<dgm:dataModel xmlns:dgm="http://schemas.openxmlformats.org/drawingml/2006/diagram" xmlns:a="http://schemas.openxmlformats.org/drawingml/2006/main">
+  <dgm:ptLst>
+    <dgm:pt modelId="{836DFD0D-4573-45DF-B5A6-FCB8838C8262}" type="doc">
+      <dgm:prSet loTypeId="urn:microsoft.com/office/officeart/2005/8/layout/vList2" loCatId="list" qsTypeId="urn:microsoft.com/office/officeart/2005/8/quickstyle/simple4" qsCatId="simple" csTypeId="urn:microsoft.com/office/officeart/2005/8/colors/colorful2" csCatId="colorful"/>
+      <dgm:spPr/>
+      <dgm:t>
+        <a:bodyPr/>
+        <a:lstStyle/>
+        <a:p>
+          <a:endParaRPr lang="en-US"/>
+        </a:p>
+      </dgm:t>
+    </dgm:pt>
+    <dgm:pt modelId="{73D689EF-3332-4E71-8D1E-47873ECDDC1A}">
+      <dgm:prSet/>
+      <dgm:spPr/>
+      <dgm:t>
+        <a:bodyPr/>
+        <a:lstStyle/>
+        <a:p>
+          <a:r>
+            <a:rPr lang="en-US"/>
+            <a:t>GitHub</a:t>
+          </a:r>
+        </a:p>
+      </dgm:t>
+    </dgm:pt>
+    <dgm:pt modelId="{84417EC3-C5CE-41F5-9856-06E9FDB9F8B6}" type="parTrans" cxnId="{24534C4D-C726-477E-A130-F766C7CD88F5}">
+      <dgm:prSet/>
+      <dgm:spPr/>
+      <dgm:t>
+        <a:bodyPr/>
+        <a:lstStyle/>
+        <a:p>
+          <a:endParaRPr lang="en-US"/>
+        </a:p>
+      </dgm:t>
+    </dgm:pt>
+    <dgm:pt modelId="{B356F653-7459-4ABC-9CF5-D4D4E247BFD6}" type="sibTrans" cxnId="{24534C4D-C726-477E-A130-F766C7CD88F5}">
+      <dgm:prSet/>
+      <dgm:spPr/>
+      <dgm:t>
+        <a:bodyPr/>
+        <a:lstStyle/>
+        <a:p>
+          <a:endParaRPr lang="en-US"/>
+        </a:p>
+      </dgm:t>
+    </dgm:pt>
+    <dgm:pt modelId="{8ADB1D21-55D7-4E92-8A52-CD1DE15F5F1B}">
+      <dgm:prSet/>
+      <dgm:spPr/>
+      <dgm:t>
+        <a:bodyPr/>
+        <a:lstStyle/>
+        <a:p>
+          <a:r>
+            <a:rPr lang="en-US"/>
+            <a:t>N</a:t>
+          </a:r>
+          <a:r>
+            <a:rPr lang="sl-SI"/>
+            <a:t>etlify</a:t>
+          </a:r>
+          <a:endParaRPr lang="en-US"/>
+        </a:p>
+      </dgm:t>
+    </dgm:pt>
+    <dgm:pt modelId="{25F77B0B-0820-403A-98BA-9C99BE324672}" type="parTrans" cxnId="{F2CACD25-5E64-490F-945F-34BCD8F816FE}">
+      <dgm:prSet/>
+      <dgm:spPr/>
+      <dgm:t>
+        <a:bodyPr/>
+        <a:lstStyle/>
+        <a:p>
+          <a:endParaRPr lang="en-US"/>
+        </a:p>
+      </dgm:t>
+    </dgm:pt>
+    <dgm:pt modelId="{CB47496C-D3D4-441A-A850-1FEA58FE9323}" type="sibTrans" cxnId="{F2CACD25-5E64-490F-945F-34BCD8F816FE}">
+      <dgm:prSet/>
+      <dgm:spPr/>
+      <dgm:t>
+        <a:bodyPr/>
+        <a:lstStyle/>
+        <a:p>
+          <a:endParaRPr lang="en-US"/>
+        </a:p>
+      </dgm:t>
+    </dgm:pt>
+    <dgm:pt modelId="{3347A8F4-826F-48A6-9BA2-5D56495592B3}">
+      <dgm:prSet/>
+      <dgm:spPr/>
+      <dgm:t>
+        <a:bodyPr/>
+        <a:lstStyle/>
+        <a:p>
+          <a:r>
+            <a:rPr lang="sl-SI" dirty="0">
+              <a:solidFill>
+                <a:schemeClr val="bg1"/>
+              </a:solidFill>
+              <a:hlinkClick xmlns:r="http://schemas.openxmlformats.org/officeDocument/2006/relationships" r:id="rId1">
+                <a:extLst>
+                  <a:ext uri="{A12FA001-AC4F-418D-AE19-62706E023703}">
+                    <ahyp:hlinkClr xmlns:ahyp="http://schemas.microsoft.com/office/drawing/2018/hyperlinkcolor" val="tx"/>
+                  </a:ext>
+                </a:extLst>
+              </a:hlinkClick>
+            </a:rPr>
+            <a:t>https://osebnotrenerstvo.netlify.app</a:t>
+          </a:r>
+          <a:endParaRPr lang="en-US" dirty="0">
+            <a:solidFill>
+              <a:schemeClr val="bg1"/>
+            </a:solidFill>
+          </a:endParaRPr>
+        </a:p>
+      </dgm:t>
+    </dgm:pt>
+    <dgm:pt modelId="{70EB0367-227E-4B9B-8E09-701691A35543}" type="parTrans" cxnId="{C538E226-75FC-4BEA-A401-9C8BE97EED8B}">
+      <dgm:prSet/>
+      <dgm:spPr/>
+      <dgm:t>
+        <a:bodyPr/>
+        <a:lstStyle/>
+        <a:p>
+          <a:endParaRPr lang="en-US"/>
+        </a:p>
+      </dgm:t>
+    </dgm:pt>
+    <dgm:pt modelId="{83A43F30-0D91-44E7-9CFD-EAB063EE4AE5}" type="sibTrans" cxnId="{C538E226-75FC-4BEA-A401-9C8BE97EED8B}">
+      <dgm:prSet/>
+      <dgm:spPr/>
+      <dgm:t>
+        <a:bodyPr/>
+        <a:lstStyle/>
+        <a:p>
+          <a:endParaRPr lang="en-US"/>
+        </a:p>
+      </dgm:t>
+    </dgm:pt>
+    <dgm:pt modelId="{F90463AA-3856-48E0-B8CC-16582970CC75}" type="pres">
+      <dgm:prSet presAssocID="{836DFD0D-4573-45DF-B5A6-FCB8838C8262}" presName="linear" presStyleCnt="0">
+        <dgm:presLayoutVars>
+          <dgm:animLvl val="lvl"/>
+          <dgm:resizeHandles val="exact"/>
+        </dgm:presLayoutVars>
+      </dgm:prSet>
+      <dgm:spPr/>
+    </dgm:pt>
+    <dgm:pt modelId="{D8237A4C-0378-4320-9D31-22F5A87D3E28}" type="pres">
+      <dgm:prSet presAssocID="{73D689EF-3332-4E71-8D1E-47873ECDDC1A}" presName="parentText" presStyleLbl="node1" presStyleIdx="0" presStyleCnt="3">
+        <dgm:presLayoutVars>
+          <dgm:chMax val="0"/>
+          <dgm:bulletEnabled val="1"/>
+        </dgm:presLayoutVars>
+      </dgm:prSet>
+      <dgm:spPr/>
+    </dgm:pt>
+    <dgm:pt modelId="{A5469FE2-F395-4511-ABBD-61639FBA3E37}" type="pres">
+      <dgm:prSet presAssocID="{B356F653-7459-4ABC-9CF5-D4D4E247BFD6}" presName="spacer" presStyleCnt="0"/>
+      <dgm:spPr/>
+    </dgm:pt>
+    <dgm:pt modelId="{223BDF82-BA57-4BB1-A66C-E316A733F11D}" type="pres">
+      <dgm:prSet presAssocID="{8ADB1D21-55D7-4E92-8A52-CD1DE15F5F1B}" presName="parentText" presStyleLbl="node1" presStyleIdx="1" presStyleCnt="3">
+        <dgm:presLayoutVars>
+          <dgm:chMax val="0"/>
+          <dgm:bulletEnabled val="1"/>
+        </dgm:presLayoutVars>
+      </dgm:prSet>
+      <dgm:spPr/>
+    </dgm:pt>
+    <dgm:pt modelId="{EB2232D8-6D4A-46E3-A12E-4D39571F3DF2}" type="pres">
+      <dgm:prSet presAssocID="{CB47496C-D3D4-441A-A850-1FEA58FE9323}" presName="spacer" presStyleCnt="0"/>
+      <dgm:spPr/>
+    </dgm:pt>
+    <dgm:pt modelId="{69EFA5B0-8AB6-48B2-86D7-806CB1152B66}" type="pres">
+      <dgm:prSet presAssocID="{3347A8F4-826F-48A6-9BA2-5D56495592B3}" presName="parentText" presStyleLbl="node1" presStyleIdx="2" presStyleCnt="3">
+        <dgm:presLayoutVars>
+          <dgm:chMax val="0"/>
+          <dgm:bulletEnabled val="1"/>
+        </dgm:presLayoutVars>
+      </dgm:prSet>
+      <dgm:spPr/>
+    </dgm:pt>
+  </dgm:ptLst>
+  <dgm:cxnLst>
+    <dgm:cxn modelId="{B1A1560C-CEC7-47F2-8600-AD894FA864B4}" type="presOf" srcId="{3347A8F4-826F-48A6-9BA2-5D56495592B3}" destId="{69EFA5B0-8AB6-48B2-86D7-806CB1152B66}" srcOrd="0" destOrd="0" presId="urn:microsoft.com/office/officeart/2005/8/layout/vList2"/>
+    <dgm:cxn modelId="{A107081F-2D57-4A37-8993-681845946DB8}" type="presOf" srcId="{73D689EF-3332-4E71-8D1E-47873ECDDC1A}" destId="{D8237A4C-0378-4320-9D31-22F5A87D3E28}" srcOrd="0" destOrd="0" presId="urn:microsoft.com/office/officeart/2005/8/layout/vList2"/>
+    <dgm:cxn modelId="{F2CACD25-5E64-490F-945F-34BCD8F816FE}" srcId="{836DFD0D-4573-45DF-B5A6-FCB8838C8262}" destId="{8ADB1D21-55D7-4E92-8A52-CD1DE15F5F1B}" srcOrd="1" destOrd="0" parTransId="{25F77B0B-0820-403A-98BA-9C99BE324672}" sibTransId="{CB47496C-D3D4-441A-A850-1FEA58FE9323}"/>
+    <dgm:cxn modelId="{C538E226-75FC-4BEA-A401-9C8BE97EED8B}" srcId="{836DFD0D-4573-45DF-B5A6-FCB8838C8262}" destId="{3347A8F4-826F-48A6-9BA2-5D56495592B3}" srcOrd="2" destOrd="0" parTransId="{70EB0367-227E-4B9B-8E09-701691A35543}" sibTransId="{83A43F30-0D91-44E7-9CFD-EAB063EE4AE5}"/>
+    <dgm:cxn modelId="{24534C4D-C726-477E-A130-F766C7CD88F5}" srcId="{836DFD0D-4573-45DF-B5A6-FCB8838C8262}" destId="{73D689EF-3332-4E71-8D1E-47873ECDDC1A}" srcOrd="0" destOrd="0" parTransId="{84417EC3-C5CE-41F5-9856-06E9FDB9F8B6}" sibTransId="{B356F653-7459-4ABC-9CF5-D4D4E247BFD6}"/>
+    <dgm:cxn modelId="{79C8B6BB-B3D1-4BBF-AFB6-59D55A5DB3C2}" type="presOf" srcId="{836DFD0D-4573-45DF-B5A6-FCB8838C8262}" destId="{F90463AA-3856-48E0-B8CC-16582970CC75}" srcOrd="0" destOrd="0" presId="urn:microsoft.com/office/officeart/2005/8/layout/vList2"/>
+    <dgm:cxn modelId="{8B55D5F8-A26C-4DBE-B154-2044B211D4CE}" type="presOf" srcId="{8ADB1D21-55D7-4E92-8A52-CD1DE15F5F1B}" destId="{223BDF82-BA57-4BB1-A66C-E316A733F11D}" srcOrd="0" destOrd="0" presId="urn:microsoft.com/office/officeart/2005/8/layout/vList2"/>
+    <dgm:cxn modelId="{12F9B362-DD3F-4952-BCE2-23248FE203D7}" type="presParOf" srcId="{F90463AA-3856-48E0-B8CC-16582970CC75}" destId="{D8237A4C-0378-4320-9D31-22F5A87D3E28}" srcOrd="0" destOrd="0" presId="urn:microsoft.com/office/officeart/2005/8/layout/vList2"/>
+    <dgm:cxn modelId="{88D9E6FF-B214-4EAA-95A5-18542B31285B}" type="presParOf" srcId="{F90463AA-3856-48E0-B8CC-16582970CC75}" destId="{A5469FE2-F395-4511-ABBD-61639FBA3E37}" srcOrd="1" destOrd="0" presId="urn:microsoft.com/office/officeart/2005/8/layout/vList2"/>
+    <dgm:cxn modelId="{F0A5422F-0191-495F-B1E0-9B0600BD0E89}" type="presParOf" srcId="{F90463AA-3856-48E0-B8CC-16582970CC75}" destId="{223BDF82-BA57-4BB1-A66C-E316A733F11D}" srcOrd="2" destOrd="0" presId="urn:microsoft.com/office/officeart/2005/8/layout/vList2"/>
+    <dgm:cxn modelId="{290E4879-0FCD-4AB8-A9A9-25A757CEE2E8}" type="presParOf" srcId="{F90463AA-3856-48E0-B8CC-16582970CC75}" destId="{EB2232D8-6D4A-46E3-A12E-4D39571F3DF2}" srcOrd="3" destOrd="0" presId="urn:microsoft.com/office/officeart/2005/8/layout/vList2"/>
+    <dgm:cxn modelId="{0970591B-A843-495C-BABA-C299F2F4625A}" type="presParOf" srcId="{F90463AA-3856-48E0-B8CC-16582970CC75}" destId="{69EFA5B0-8AB6-48B2-86D7-806CB1152B66}" srcOrd="4" destOrd="0" presId="urn:microsoft.com/office/officeart/2005/8/layout/vList2"/>
   </dgm:cxnLst>
   <dgm:bg/>
   <dgm:whole/>
@@ -7460,6 +8460,336 @@
 </dsp:drawing>
 </file>
 
+<file path=ppt/diagrams/drawing6.xml><?xml version="1.0" encoding="utf-8"?>
+<dsp:drawing xmlns:dgm="http://schemas.openxmlformats.org/drawingml/2006/diagram" xmlns:dsp="http://schemas.microsoft.com/office/drawing/2008/diagram" xmlns:a="http://schemas.openxmlformats.org/drawingml/2006/main">
+  <dsp:spTree>
+    <dsp:nvGrpSpPr>
+      <dsp:cNvPr id="0" name=""/>
+      <dsp:cNvGrpSpPr/>
+    </dsp:nvGrpSpPr>
+    <dsp:grpSpPr/>
+    <dsp:sp modelId="{D8237A4C-0378-4320-9D31-22F5A87D3E28}">
+      <dsp:nvSpPr>
+        <dsp:cNvPr id="0" name=""/>
+        <dsp:cNvSpPr/>
+      </dsp:nvSpPr>
+      <dsp:spPr>
+        <a:xfrm>
+          <a:off x="0" y="1455439"/>
+          <a:ext cx="6666833" cy="786240"/>
+        </a:xfrm>
+        <a:prstGeom prst="roundRect">
+          <a:avLst/>
+        </a:prstGeom>
+        <a:gradFill rotWithShape="0">
+          <a:gsLst>
+            <a:gs pos="0">
+              <a:schemeClr val="accent2">
+                <a:hueOff val="0"/>
+                <a:satOff val="0"/>
+                <a:lumOff val="0"/>
+                <a:alphaOff val="0"/>
+                <a:satMod val="103000"/>
+                <a:lumMod val="102000"/>
+                <a:tint val="94000"/>
+              </a:schemeClr>
+            </a:gs>
+            <a:gs pos="50000">
+              <a:schemeClr val="accent2">
+                <a:hueOff val="0"/>
+                <a:satOff val="0"/>
+                <a:lumOff val="0"/>
+                <a:alphaOff val="0"/>
+                <a:satMod val="110000"/>
+                <a:lumMod val="100000"/>
+                <a:shade val="100000"/>
+              </a:schemeClr>
+            </a:gs>
+            <a:gs pos="100000">
+              <a:schemeClr val="accent2">
+                <a:hueOff val="0"/>
+                <a:satOff val="0"/>
+                <a:lumOff val="0"/>
+                <a:alphaOff val="0"/>
+                <a:lumMod val="99000"/>
+                <a:satMod val="120000"/>
+                <a:shade val="78000"/>
+              </a:schemeClr>
+            </a:gs>
+          </a:gsLst>
+          <a:lin ang="5400000" scaled="0"/>
+        </a:gradFill>
+        <a:ln>
+          <a:noFill/>
+        </a:ln>
+        <a:effectLst/>
+      </dsp:spPr>
+      <dsp:style>
+        <a:lnRef idx="0">
+          <a:scrgbClr r="0" g="0" b="0"/>
+        </a:lnRef>
+        <a:fillRef idx="3">
+          <a:scrgbClr r="0" g="0" b="0"/>
+        </a:fillRef>
+        <a:effectRef idx="2">
+          <a:scrgbClr r="0" g="0" b="0"/>
+        </a:effectRef>
+        <a:fontRef idx="minor">
+          <a:schemeClr val="lt1"/>
+        </a:fontRef>
+      </dsp:style>
+      <dsp:txBody>
+        <a:bodyPr spcFirstLastPara="0" vert="horz" wrap="square" lIns="121920" tIns="121920" rIns="121920" bIns="121920" numCol="1" spcCol="1270" anchor="ctr" anchorCtr="0">
+          <a:noAutofit/>
+        </a:bodyPr>
+        <a:lstStyle/>
+        <a:p>
+          <a:pPr marL="0" lvl="0" indent="0" algn="l" defTabSz="1422400">
+            <a:lnSpc>
+              <a:spcPct val="90000"/>
+            </a:lnSpc>
+            <a:spcBef>
+              <a:spcPct val="0"/>
+            </a:spcBef>
+            <a:spcAft>
+              <a:spcPct val="35000"/>
+            </a:spcAft>
+            <a:buNone/>
+          </a:pPr>
+          <a:r>
+            <a:rPr lang="en-US" sz="3200" kern="1200"/>
+            <a:t>GitHub</a:t>
+          </a:r>
+        </a:p>
+      </dsp:txBody>
+      <dsp:txXfrm>
+        <a:off x="38381" y="1493820"/>
+        <a:ext cx="6590071" cy="709478"/>
+      </dsp:txXfrm>
+    </dsp:sp>
+    <dsp:sp modelId="{223BDF82-BA57-4BB1-A66C-E316A733F11D}">
+      <dsp:nvSpPr>
+        <dsp:cNvPr id="0" name=""/>
+        <dsp:cNvSpPr/>
+      </dsp:nvSpPr>
+      <dsp:spPr>
+        <a:xfrm>
+          <a:off x="0" y="2333839"/>
+          <a:ext cx="6666833" cy="786240"/>
+        </a:xfrm>
+        <a:prstGeom prst="roundRect">
+          <a:avLst/>
+        </a:prstGeom>
+        <a:gradFill rotWithShape="0">
+          <a:gsLst>
+            <a:gs pos="0">
+              <a:schemeClr val="accent2">
+                <a:hueOff val="3221807"/>
+                <a:satOff val="-9246"/>
+                <a:lumOff val="-14805"/>
+                <a:alphaOff val="0"/>
+                <a:satMod val="103000"/>
+                <a:lumMod val="102000"/>
+                <a:tint val="94000"/>
+              </a:schemeClr>
+            </a:gs>
+            <a:gs pos="50000">
+              <a:schemeClr val="accent2">
+                <a:hueOff val="3221807"/>
+                <a:satOff val="-9246"/>
+                <a:lumOff val="-14805"/>
+                <a:alphaOff val="0"/>
+                <a:satMod val="110000"/>
+                <a:lumMod val="100000"/>
+                <a:shade val="100000"/>
+              </a:schemeClr>
+            </a:gs>
+            <a:gs pos="100000">
+              <a:schemeClr val="accent2">
+                <a:hueOff val="3221807"/>
+                <a:satOff val="-9246"/>
+                <a:lumOff val="-14805"/>
+                <a:alphaOff val="0"/>
+                <a:lumMod val="99000"/>
+                <a:satMod val="120000"/>
+                <a:shade val="78000"/>
+              </a:schemeClr>
+            </a:gs>
+          </a:gsLst>
+          <a:lin ang="5400000" scaled="0"/>
+        </a:gradFill>
+        <a:ln>
+          <a:noFill/>
+        </a:ln>
+        <a:effectLst/>
+      </dsp:spPr>
+      <dsp:style>
+        <a:lnRef idx="0">
+          <a:scrgbClr r="0" g="0" b="0"/>
+        </a:lnRef>
+        <a:fillRef idx="3">
+          <a:scrgbClr r="0" g="0" b="0"/>
+        </a:fillRef>
+        <a:effectRef idx="2">
+          <a:scrgbClr r="0" g="0" b="0"/>
+        </a:effectRef>
+        <a:fontRef idx="minor">
+          <a:schemeClr val="lt1"/>
+        </a:fontRef>
+      </dsp:style>
+      <dsp:txBody>
+        <a:bodyPr spcFirstLastPara="0" vert="horz" wrap="square" lIns="121920" tIns="121920" rIns="121920" bIns="121920" numCol="1" spcCol="1270" anchor="ctr" anchorCtr="0">
+          <a:noAutofit/>
+        </a:bodyPr>
+        <a:lstStyle/>
+        <a:p>
+          <a:pPr marL="0" lvl="0" indent="0" algn="l" defTabSz="1422400">
+            <a:lnSpc>
+              <a:spcPct val="90000"/>
+            </a:lnSpc>
+            <a:spcBef>
+              <a:spcPct val="0"/>
+            </a:spcBef>
+            <a:spcAft>
+              <a:spcPct val="35000"/>
+            </a:spcAft>
+            <a:buNone/>
+          </a:pPr>
+          <a:r>
+            <a:rPr lang="en-US" sz="3200" kern="1200"/>
+            <a:t>N</a:t>
+          </a:r>
+          <a:r>
+            <a:rPr lang="sl-SI" sz="3200" kern="1200"/>
+            <a:t>etlify</a:t>
+          </a:r>
+          <a:endParaRPr lang="en-US" sz="3200" kern="1200"/>
+        </a:p>
+      </dsp:txBody>
+      <dsp:txXfrm>
+        <a:off x="38381" y="2372220"/>
+        <a:ext cx="6590071" cy="709478"/>
+      </dsp:txXfrm>
+    </dsp:sp>
+    <dsp:sp modelId="{69EFA5B0-8AB6-48B2-86D7-806CB1152B66}">
+      <dsp:nvSpPr>
+        <dsp:cNvPr id="0" name=""/>
+        <dsp:cNvSpPr/>
+      </dsp:nvSpPr>
+      <dsp:spPr>
+        <a:xfrm>
+          <a:off x="0" y="3212240"/>
+          <a:ext cx="6666833" cy="786240"/>
+        </a:xfrm>
+        <a:prstGeom prst="roundRect">
+          <a:avLst/>
+        </a:prstGeom>
+        <a:gradFill rotWithShape="0">
+          <a:gsLst>
+            <a:gs pos="0">
+              <a:schemeClr val="accent2">
+                <a:hueOff val="6443614"/>
+                <a:satOff val="-18493"/>
+                <a:lumOff val="-29609"/>
+                <a:alphaOff val="0"/>
+                <a:satMod val="103000"/>
+                <a:lumMod val="102000"/>
+                <a:tint val="94000"/>
+              </a:schemeClr>
+            </a:gs>
+            <a:gs pos="50000">
+              <a:schemeClr val="accent2">
+                <a:hueOff val="6443614"/>
+                <a:satOff val="-18493"/>
+                <a:lumOff val="-29609"/>
+                <a:alphaOff val="0"/>
+                <a:satMod val="110000"/>
+                <a:lumMod val="100000"/>
+                <a:shade val="100000"/>
+              </a:schemeClr>
+            </a:gs>
+            <a:gs pos="100000">
+              <a:schemeClr val="accent2">
+                <a:hueOff val="6443614"/>
+                <a:satOff val="-18493"/>
+                <a:lumOff val="-29609"/>
+                <a:alphaOff val="0"/>
+                <a:lumMod val="99000"/>
+                <a:satMod val="120000"/>
+                <a:shade val="78000"/>
+              </a:schemeClr>
+            </a:gs>
+          </a:gsLst>
+          <a:lin ang="5400000" scaled="0"/>
+        </a:gradFill>
+        <a:ln>
+          <a:noFill/>
+        </a:ln>
+        <a:effectLst/>
+      </dsp:spPr>
+      <dsp:style>
+        <a:lnRef idx="0">
+          <a:scrgbClr r="0" g="0" b="0"/>
+        </a:lnRef>
+        <a:fillRef idx="3">
+          <a:scrgbClr r="0" g="0" b="0"/>
+        </a:fillRef>
+        <a:effectRef idx="2">
+          <a:scrgbClr r="0" g="0" b="0"/>
+        </a:effectRef>
+        <a:fontRef idx="minor">
+          <a:schemeClr val="lt1"/>
+        </a:fontRef>
+      </dsp:style>
+      <dsp:txBody>
+        <a:bodyPr spcFirstLastPara="0" vert="horz" wrap="square" lIns="121920" tIns="121920" rIns="121920" bIns="121920" numCol="1" spcCol="1270" anchor="ctr" anchorCtr="0">
+          <a:noAutofit/>
+        </a:bodyPr>
+        <a:lstStyle/>
+        <a:p>
+          <a:pPr marL="0" lvl="0" indent="0" algn="l" defTabSz="1422400">
+            <a:lnSpc>
+              <a:spcPct val="90000"/>
+            </a:lnSpc>
+            <a:spcBef>
+              <a:spcPct val="0"/>
+            </a:spcBef>
+            <a:spcAft>
+              <a:spcPct val="35000"/>
+            </a:spcAft>
+            <a:buNone/>
+          </a:pPr>
+          <a:r>
+            <a:rPr lang="sl-SI" sz="3200" kern="1200" dirty="0">
+              <a:solidFill>
+                <a:schemeClr val="bg1"/>
+              </a:solidFill>
+              <a:hlinkClick xmlns:r="http://schemas.openxmlformats.org/officeDocument/2006/relationships" r:id="rId1">
+                <a:extLst>
+                  <a:ext uri="{A12FA001-AC4F-418D-AE19-62706E023703}">
+                    <ahyp:hlinkClr xmlns:ahyp="http://schemas.microsoft.com/office/drawing/2018/hyperlinkcolor" val="tx"/>
+                  </a:ext>
+                </a:extLst>
+              </a:hlinkClick>
+            </a:rPr>
+            <a:t>https://osebnotrenerstvo.netlify.app</a:t>
+          </a:r>
+          <a:endParaRPr lang="en-US" sz="3200" kern="1200" dirty="0">
+            <a:solidFill>
+              <a:schemeClr val="bg1"/>
+            </a:solidFill>
+          </a:endParaRPr>
+        </a:p>
+      </dsp:txBody>
+      <dsp:txXfrm>
+        <a:off x="38381" y="3250621"/>
+        <a:ext cx="6590071" cy="709478"/>
+      </dsp:txXfrm>
+    </dsp:sp>
+  </dsp:spTree>
+</dsp:drawing>
+</file>
+
 <file path=ppt/diagrams/layout1.xml><?xml version="1.0" encoding="utf-8"?>
 <dgm:layoutDef xmlns:dgm="http://schemas.openxmlformats.org/drawingml/2006/diagram" xmlns:a="http://schemas.openxmlformats.org/drawingml/2006/main" uniqueId="urn:microsoft.com/office/officeart/2005/8/layout/vList2">
   <dgm:title val=""/>
@@ -8411,6 +9741,173 @@
 </dgm:layoutDef>
 </file>
 
+<file path=ppt/diagrams/layout6.xml><?xml version="1.0" encoding="utf-8"?>
+<dgm:layoutDef xmlns:dgm="http://schemas.openxmlformats.org/drawingml/2006/diagram" xmlns:a="http://schemas.openxmlformats.org/drawingml/2006/main" uniqueId="urn:microsoft.com/office/officeart/2005/8/layout/vList2">
+  <dgm:title val=""/>
+  <dgm:desc val=""/>
+  <dgm:catLst>
+    <dgm:cat type="list" pri="3000"/>
+    <dgm:cat type="convert" pri="1000"/>
+  </dgm:catLst>
+  <dgm:sampData>
+    <dgm:dataModel>
+      <dgm:ptLst>
+        <dgm:pt modelId="0" type="doc"/>
+        <dgm:pt modelId="1">
+          <dgm:prSet phldr="1"/>
+        </dgm:pt>
+        <dgm:pt modelId="11">
+          <dgm:prSet phldr="1"/>
+        </dgm:pt>
+        <dgm:pt modelId="2">
+          <dgm:prSet phldr="1"/>
+        </dgm:pt>
+        <dgm:pt modelId="21">
+          <dgm:prSet phldr="1"/>
+        </dgm:pt>
+      </dgm:ptLst>
+      <dgm:cxnLst>
+        <dgm:cxn modelId="4" srcId="0" destId="1" srcOrd="0" destOrd="0"/>
+        <dgm:cxn modelId="5" srcId="0" destId="2" srcOrd="1" destOrd="0"/>
+        <dgm:cxn modelId="12" srcId="1" destId="11" srcOrd="0" destOrd="0"/>
+        <dgm:cxn modelId="23" srcId="2" destId="21" srcOrd="0" destOrd="0"/>
+      </dgm:cxnLst>
+      <dgm:bg/>
+      <dgm:whole/>
+    </dgm:dataModel>
+  </dgm:sampData>
+  <dgm:styleData>
+    <dgm:dataModel>
+      <dgm:ptLst>
+        <dgm:pt modelId="0" type="doc"/>
+        <dgm:pt modelId="1"/>
+        <dgm:pt modelId="2"/>
+      </dgm:ptLst>
+      <dgm:cxnLst>
+        <dgm:cxn modelId="3" srcId="0" destId="1" srcOrd="0" destOrd="0"/>
+        <dgm:cxn modelId="4" srcId="0" destId="2" srcOrd="1" destOrd="0"/>
+      </dgm:cxnLst>
+      <dgm:bg/>
+      <dgm:whole/>
+    </dgm:dataModel>
+  </dgm:styleData>
+  <dgm:clrData>
+    <dgm:dataModel>
+      <dgm:ptLst>
+        <dgm:pt modelId="0" type="doc"/>
+        <dgm:pt modelId="1"/>
+        <dgm:pt modelId="2"/>
+        <dgm:pt modelId="3"/>
+        <dgm:pt modelId="4"/>
+      </dgm:ptLst>
+      <dgm:cxnLst>
+        <dgm:cxn modelId="5" srcId="0" destId="1" srcOrd="0" destOrd="0"/>
+        <dgm:cxn modelId="6" srcId="0" destId="2" srcOrd="1" destOrd="0"/>
+        <dgm:cxn modelId="7" srcId="0" destId="3" srcOrd="2" destOrd="0"/>
+        <dgm:cxn modelId="8" srcId="0" destId="4" srcOrd="3" destOrd="0"/>
+      </dgm:cxnLst>
+      <dgm:bg/>
+      <dgm:whole/>
+    </dgm:dataModel>
+  </dgm:clrData>
+  <dgm:layoutNode name="linear">
+    <dgm:varLst>
+      <dgm:animLvl val="lvl"/>
+      <dgm:resizeHandles val="exact"/>
+    </dgm:varLst>
+    <dgm:alg type="lin">
+      <dgm:param type="linDir" val="fromT"/>
+      <dgm:param type="vertAlign" val="mid"/>
+    </dgm:alg>
+    <dgm:shape xmlns:r="http://schemas.openxmlformats.org/officeDocument/2006/relationships" r:blip="">
+      <dgm:adjLst/>
+    </dgm:shape>
+    <dgm:presOf/>
+    <dgm:constrLst>
+      <dgm:constr type="w" for="ch" forName="parentText" refType="w"/>
+      <dgm:constr type="h" for="ch" forName="parentText" refType="primFontSz" refFor="ch" refForName="parentText" fact="0.52"/>
+      <dgm:constr type="w" for="ch" forName="childText" refType="w"/>
+      <dgm:constr type="h" for="ch" forName="childText" refType="primFontSz" refFor="ch" refForName="parentText" fact="0.46"/>
+      <dgm:constr type="h" for="ch" forName="parentText" op="equ"/>
+      <dgm:constr type="primFontSz" for="ch" forName="parentText" op="equ" val="65"/>
+      <dgm:constr type="primFontSz" for="ch" forName="childText" refType="primFontSz" refFor="ch" refForName="parentText" op="equ"/>
+      <dgm:constr type="h" for="ch" forName="spacer" refType="primFontSz" refFor="ch" refForName="parentText" fact="0.08"/>
+    </dgm:constrLst>
+    <dgm:ruleLst>
+      <dgm:rule type="primFontSz" for="ch" forName="parentText" val="5" fact="NaN" max="NaN"/>
+    </dgm:ruleLst>
+    <dgm:forEach name="Name0" axis="ch" ptType="node">
+      <dgm:layoutNode name="parentText" styleLbl="node1">
+        <dgm:varLst>
+          <dgm:chMax val="0"/>
+          <dgm:bulletEnabled val="1"/>
+        </dgm:varLst>
+        <dgm:alg type="tx">
+          <dgm:param type="parTxLTRAlign" val="l"/>
+          <dgm:param type="parTxRTLAlign" val="r"/>
+        </dgm:alg>
+        <dgm:shape xmlns:r="http://schemas.openxmlformats.org/officeDocument/2006/relationships" type="roundRect" r:blip="">
+          <dgm:adjLst/>
+        </dgm:shape>
+        <dgm:presOf axis="self"/>
+        <dgm:constrLst>
+          <dgm:constr type="tMarg" refType="primFontSz" fact="0.3"/>
+          <dgm:constr type="bMarg" refType="primFontSz" fact="0.3"/>
+          <dgm:constr type="lMarg" refType="primFontSz" fact="0.3"/>
+          <dgm:constr type="rMarg" refType="primFontSz" fact="0.3"/>
+        </dgm:constrLst>
+        <dgm:ruleLst>
+          <dgm:rule type="h" val="INF" fact="NaN" max="NaN"/>
+        </dgm:ruleLst>
+      </dgm:layoutNode>
+      <dgm:choose name="Name1">
+        <dgm:if name="Name2" axis="ch" ptType="node" func="cnt" op="gte" val="1">
+          <dgm:layoutNode name="childText" styleLbl="revTx">
+            <dgm:varLst>
+              <dgm:bulletEnabled val="1"/>
+            </dgm:varLst>
+            <dgm:alg type="tx">
+              <dgm:param type="stBulletLvl" val="1"/>
+              <dgm:param type="lnSpAfChP" val="20"/>
+            </dgm:alg>
+            <dgm:shape xmlns:r="http://schemas.openxmlformats.org/officeDocument/2006/relationships" type="rect" r:blip="">
+              <dgm:adjLst/>
+            </dgm:shape>
+            <dgm:presOf axis="des" ptType="node"/>
+            <dgm:constrLst>
+              <dgm:constr type="tMarg" refType="primFontSz" fact="0.1"/>
+              <dgm:constr type="bMarg" refType="primFontSz" fact="0.1"/>
+              <dgm:constr type="lMarg" refType="w" fact="0.09"/>
+            </dgm:constrLst>
+            <dgm:ruleLst>
+              <dgm:rule type="h" val="INF" fact="NaN" max="NaN"/>
+            </dgm:ruleLst>
+          </dgm:layoutNode>
+        </dgm:if>
+        <dgm:else name="Name3">
+          <dgm:choose name="Name4">
+            <dgm:if name="Name5" axis="par ch" ptType="doc node" func="cnt" op="gte" val="2">
+              <dgm:forEach name="Name6" axis="followSib" ptType="sibTrans" cnt="1">
+                <dgm:layoutNode name="spacer">
+                  <dgm:alg type="sp"/>
+                  <dgm:shape xmlns:r="http://schemas.openxmlformats.org/officeDocument/2006/relationships" r:blip="">
+                    <dgm:adjLst/>
+                  </dgm:shape>
+                  <dgm:presOf/>
+                  <dgm:constrLst/>
+                  <dgm:ruleLst/>
+                </dgm:layoutNode>
+              </dgm:forEach>
+            </dgm:if>
+            <dgm:else name="Name7"/>
+          </dgm:choose>
+        </dgm:else>
+      </dgm:choose>
+    </dgm:forEach>
+  </dgm:layoutNode>
+</dgm:layoutDef>
+</file>
+
 <file path=ppt/diagrams/quickStyle1.xml><?xml version="1.0" encoding="utf-8"?>
 <dgm:styleDef xmlns:dgm="http://schemas.openxmlformats.org/drawingml/2006/diagram" xmlns:a="http://schemas.openxmlformats.org/drawingml/2006/main" uniqueId="urn:microsoft.com/office/officeart/2005/8/quickstyle/simple4">
   <dgm:title val=""/>
@@ -12548,6 +14045,1040 @@
 </file>
 
 <file path=ppt/diagrams/quickStyle5.xml><?xml version="1.0" encoding="utf-8"?>
+<dgm:styleDef xmlns:dgm="http://schemas.openxmlformats.org/drawingml/2006/diagram" xmlns:a="http://schemas.openxmlformats.org/drawingml/2006/main" uniqueId="urn:microsoft.com/office/officeart/2005/8/quickstyle/simple4">
+  <dgm:title val=""/>
+  <dgm:desc val=""/>
+  <dgm:catLst>
+    <dgm:cat type="simple" pri="10400"/>
+  </dgm:catLst>
+  <dgm:scene3d>
+    <a:camera prst="orthographicFront"/>
+    <a:lightRig rig="threePt" dir="t"/>
+  </dgm:scene3d>
+  <dgm:styleLbl name="node0">
+    <dgm:scene3d>
+      <a:camera prst="orthographicFront"/>
+      <a:lightRig rig="threePt" dir="t"/>
+    </dgm:scene3d>
+    <dgm:sp3d/>
+    <dgm:txPr/>
+    <dgm:style>
+      <a:lnRef idx="0">
+        <a:scrgbClr r="0" g="0" b="0"/>
+      </a:lnRef>
+      <a:fillRef idx="3">
+        <a:scrgbClr r="0" g="0" b="0"/>
+      </a:fillRef>
+      <a:effectRef idx="2">
+        <a:scrgbClr r="0" g="0" b="0"/>
+      </a:effectRef>
+      <a:fontRef idx="minor">
+        <a:schemeClr val="lt1"/>
+      </a:fontRef>
+    </dgm:style>
+  </dgm:styleLbl>
+  <dgm:styleLbl name="lnNode1">
+    <dgm:scene3d>
+      <a:camera prst="orthographicFront"/>
+      <a:lightRig rig="threePt" dir="t"/>
+    </dgm:scene3d>
+    <dgm:sp3d/>
+    <dgm:txPr/>
+    <dgm:style>
+      <a:lnRef idx="1">
+        <a:scrgbClr r="0" g="0" b="0"/>
+      </a:lnRef>
+      <a:fillRef idx="3">
+        <a:scrgbClr r="0" g="0" b="0"/>
+      </a:fillRef>
+      <a:effectRef idx="2">
+        <a:scrgbClr r="0" g="0" b="0"/>
+      </a:effectRef>
+      <a:fontRef idx="minor">
+        <a:schemeClr val="lt1"/>
+      </a:fontRef>
+    </dgm:style>
+  </dgm:styleLbl>
+  <dgm:styleLbl name="vennNode1">
+    <dgm:scene3d>
+      <a:camera prst="orthographicFront"/>
+      <a:lightRig rig="threePt" dir="t"/>
+    </dgm:scene3d>
+    <dgm:sp3d/>
+    <dgm:txPr/>
+    <dgm:style>
+      <a:lnRef idx="0">
+        <a:scrgbClr r="0" g="0" b="0"/>
+      </a:lnRef>
+      <a:fillRef idx="3">
+        <a:scrgbClr r="0" g="0" b="0"/>
+      </a:fillRef>
+      <a:effectRef idx="0">
+        <a:scrgbClr r="0" g="0" b="0"/>
+      </a:effectRef>
+      <a:fontRef idx="minor">
+        <a:schemeClr val="tx1"/>
+      </a:fontRef>
+    </dgm:style>
+  </dgm:styleLbl>
+  <dgm:styleLbl name="alignNode1">
+    <dgm:scene3d>
+      <a:camera prst="orthographicFront"/>
+      <a:lightRig rig="threePt" dir="t"/>
+    </dgm:scene3d>
+    <dgm:sp3d/>
+    <dgm:txPr/>
+    <dgm:style>
+      <a:lnRef idx="1">
+        <a:scrgbClr r="0" g="0" b="0"/>
+      </a:lnRef>
+      <a:fillRef idx="3">
+        <a:scrgbClr r="0" g="0" b="0"/>
+      </a:fillRef>
+      <a:effectRef idx="2">
+        <a:scrgbClr r="0" g="0" b="0"/>
+      </a:effectRef>
+      <a:fontRef idx="minor">
+        <a:schemeClr val="lt1"/>
+      </a:fontRef>
+    </dgm:style>
+  </dgm:styleLbl>
+  <dgm:styleLbl name="node1">
+    <dgm:scene3d>
+      <a:camera prst="orthographicFront"/>
+      <a:lightRig rig="threePt" dir="t"/>
+    </dgm:scene3d>
+    <dgm:sp3d/>
+    <dgm:txPr/>
+    <dgm:style>
+      <a:lnRef idx="0">
+        <a:scrgbClr r="0" g="0" b="0"/>
+      </a:lnRef>
+      <a:fillRef idx="3">
+        <a:scrgbClr r="0" g="0" b="0"/>
+      </a:fillRef>
+      <a:effectRef idx="2">
+        <a:scrgbClr r="0" g="0" b="0"/>
+      </a:effectRef>
+      <a:fontRef idx="minor">
+        <a:schemeClr val="lt1"/>
+      </a:fontRef>
+    </dgm:style>
+  </dgm:styleLbl>
+  <dgm:styleLbl name="node2">
+    <dgm:scene3d>
+      <a:camera prst="orthographicFront"/>
+      <a:lightRig rig="threePt" dir="t"/>
+    </dgm:scene3d>
+    <dgm:sp3d/>
+    <dgm:txPr/>
+    <dgm:style>
+      <a:lnRef idx="0">
+        <a:scrgbClr r="0" g="0" b="0"/>
+      </a:lnRef>
+      <a:fillRef idx="3">
+        <a:scrgbClr r="0" g="0" b="0"/>
+      </a:fillRef>
+      <a:effectRef idx="2">
+        <a:scrgbClr r="0" g="0" b="0"/>
+      </a:effectRef>
+      <a:fontRef idx="minor">
+        <a:schemeClr val="lt1"/>
+      </a:fontRef>
+    </dgm:style>
+  </dgm:styleLbl>
+  <dgm:styleLbl name="node3">
+    <dgm:scene3d>
+      <a:camera prst="orthographicFront"/>
+      <a:lightRig rig="threePt" dir="t"/>
+    </dgm:scene3d>
+    <dgm:sp3d/>
+    <dgm:txPr/>
+    <dgm:style>
+      <a:lnRef idx="0">
+        <a:scrgbClr r="0" g="0" b="0"/>
+      </a:lnRef>
+      <a:fillRef idx="3">
+        <a:scrgbClr r="0" g="0" b="0"/>
+      </a:fillRef>
+      <a:effectRef idx="2">
+        <a:scrgbClr r="0" g="0" b="0"/>
+      </a:effectRef>
+      <a:fontRef idx="minor">
+        <a:schemeClr val="lt1"/>
+      </a:fontRef>
+    </dgm:style>
+  </dgm:styleLbl>
+  <dgm:styleLbl name="node4">
+    <dgm:scene3d>
+      <a:camera prst="orthographicFront"/>
+      <a:lightRig rig="threePt" dir="t"/>
+    </dgm:scene3d>
+    <dgm:sp3d/>
+    <dgm:txPr/>
+    <dgm:style>
+      <a:lnRef idx="0">
+        <a:scrgbClr r="0" g="0" b="0"/>
+      </a:lnRef>
+      <a:fillRef idx="3">
+        <a:scrgbClr r="0" g="0" b="0"/>
+      </a:fillRef>
+      <a:effectRef idx="2">
+        <a:scrgbClr r="0" g="0" b="0"/>
+      </a:effectRef>
+      <a:fontRef idx="minor">
+        <a:schemeClr val="lt1"/>
+      </a:fontRef>
+    </dgm:style>
+  </dgm:styleLbl>
+  <dgm:styleLbl name="fgImgPlace1">
+    <dgm:scene3d>
+      <a:camera prst="orthographicFront"/>
+      <a:lightRig rig="threePt" dir="t"/>
+    </dgm:scene3d>
+    <dgm:sp3d/>
+    <dgm:txPr/>
+    <dgm:style>
+      <a:lnRef idx="0">
+        <a:scrgbClr r="0" g="0" b="0"/>
+      </a:lnRef>
+      <a:fillRef idx="1">
+        <a:scrgbClr r="0" g="0" b="0"/>
+      </a:fillRef>
+      <a:effectRef idx="2">
+        <a:scrgbClr r="0" g="0" b="0"/>
+      </a:effectRef>
+      <a:fontRef idx="minor"/>
+    </dgm:style>
+  </dgm:styleLbl>
+  <dgm:styleLbl name="alignImgPlace1">
+    <dgm:scene3d>
+      <a:camera prst="orthographicFront"/>
+      <a:lightRig rig="threePt" dir="t"/>
+    </dgm:scene3d>
+    <dgm:sp3d/>
+    <dgm:txPr/>
+    <dgm:style>
+      <a:lnRef idx="0">
+        <a:scrgbClr r="0" g="0" b="0"/>
+      </a:lnRef>
+      <a:fillRef idx="1">
+        <a:scrgbClr r="0" g="0" b="0"/>
+      </a:fillRef>
+      <a:effectRef idx="2">
+        <a:scrgbClr r="0" g="0" b="0"/>
+      </a:effectRef>
+      <a:fontRef idx="minor"/>
+    </dgm:style>
+  </dgm:styleLbl>
+  <dgm:styleLbl name="bgImgPlace1">
+    <dgm:scene3d>
+      <a:camera prst="orthographicFront"/>
+      <a:lightRig rig="threePt" dir="t"/>
+    </dgm:scene3d>
+    <dgm:sp3d/>
+    <dgm:txPr/>
+    <dgm:style>
+      <a:lnRef idx="0">
+        <a:scrgbClr r="0" g="0" b="0"/>
+      </a:lnRef>
+      <a:fillRef idx="1">
+        <a:scrgbClr r="0" g="0" b="0"/>
+      </a:fillRef>
+      <a:effectRef idx="2">
+        <a:scrgbClr r="0" g="0" b="0"/>
+      </a:effectRef>
+      <a:fontRef idx="minor"/>
+    </dgm:style>
+  </dgm:styleLbl>
+  <dgm:styleLbl name="sibTrans2D1">
+    <dgm:scene3d>
+      <a:camera prst="orthographicFront"/>
+      <a:lightRig rig="threePt" dir="t"/>
+    </dgm:scene3d>
+    <dgm:sp3d/>
+    <dgm:txPr/>
+    <dgm:style>
+      <a:lnRef idx="0">
+        <a:scrgbClr r="0" g="0" b="0"/>
+      </a:lnRef>
+      <a:fillRef idx="3">
+        <a:scrgbClr r="0" g="0" b="0"/>
+      </a:fillRef>
+      <a:effectRef idx="2">
+        <a:scrgbClr r="0" g="0" b="0"/>
+      </a:effectRef>
+      <a:fontRef idx="minor">
+        <a:schemeClr val="lt1"/>
+      </a:fontRef>
+    </dgm:style>
+  </dgm:styleLbl>
+  <dgm:styleLbl name="fgSibTrans2D1">
+    <dgm:scene3d>
+      <a:camera prst="orthographicFront"/>
+      <a:lightRig rig="threePt" dir="t"/>
+    </dgm:scene3d>
+    <dgm:sp3d/>
+    <dgm:txPr/>
+    <dgm:style>
+      <a:lnRef idx="0">
+        <a:scrgbClr r="0" g="0" b="0"/>
+      </a:lnRef>
+      <a:fillRef idx="3">
+        <a:scrgbClr r="0" g="0" b="0"/>
+      </a:fillRef>
+      <a:effectRef idx="2">
+        <a:scrgbClr r="0" g="0" b="0"/>
+      </a:effectRef>
+      <a:fontRef idx="minor">
+        <a:schemeClr val="lt1"/>
+      </a:fontRef>
+    </dgm:style>
+  </dgm:styleLbl>
+  <dgm:styleLbl name="bgSibTrans2D1">
+    <dgm:scene3d>
+      <a:camera prst="orthographicFront"/>
+      <a:lightRig rig="threePt" dir="t"/>
+    </dgm:scene3d>
+    <dgm:sp3d/>
+    <dgm:txPr/>
+    <dgm:style>
+      <a:lnRef idx="0">
+        <a:scrgbClr r="0" g="0" b="0"/>
+      </a:lnRef>
+      <a:fillRef idx="3">
+        <a:scrgbClr r="0" g="0" b="0"/>
+      </a:fillRef>
+      <a:effectRef idx="2">
+        <a:scrgbClr r="0" g="0" b="0"/>
+      </a:effectRef>
+      <a:fontRef idx="minor">
+        <a:schemeClr val="lt1"/>
+      </a:fontRef>
+    </dgm:style>
+  </dgm:styleLbl>
+  <dgm:styleLbl name="sibTrans1D1">
+    <dgm:scene3d>
+      <a:camera prst="orthographicFront"/>
+      <a:lightRig rig="threePt" dir="t"/>
+    </dgm:scene3d>
+    <dgm:sp3d/>
+    <dgm:txPr/>
+    <dgm:style>
+      <a:lnRef idx="1">
+        <a:scrgbClr r="0" g="0" b="0"/>
+      </a:lnRef>
+      <a:fillRef idx="0">
+        <a:scrgbClr r="0" g="0" b="0"/>
+      </a:fillRef>
+      <a:effectRef idx="0">
+        <a:scrgbClr r="0" g="0" b="0"/>
+      </a:effectRef>
+      <a:fontRef idx="minor"/>
+    </dgm:style>
+  </dgm:styleLbl>
+  <dgm:styleLbl name="callout">
+    <dgm:scene3d>
+      <a:camera prst="orthographicFront"/>
+      <a:lightRig rig="threePt" dir="t"/>
+    </dgm:scene3d>
+    <dgm:sp3d/>
+    <dgm:txPr/>
+    <dgm:style>
+      <a:lnRef idx="2">
+        <a:scrgbClr r="0" g="0" b="0"/>
+      </a:lnRef>
+      <a:fillRef idx="1">
+        <a:scrgbClr r="0" g="0" b="0"/>
+      </a:fillRef>
+      <a:effectRef idx="1">
+        <a:scrgbClr r="0" g="0" b="0"/>
+      </a:effectRef>
+      <a:fontRef idx="minor"/>
+    </dgm:style>
+  </dgm:styleLbl>
+  <dgm:styleLbl name="asst0">
+    <dgm:scene3d>
+      <a:camera prst="orthographicFront"/>
+      <a:lightRig rig="threePt" dir="t"/>
+    </dgm:scene3d>
+    <dgm:sp3d/>
+    <dgm:txPr/>
+    <dgm:style>
+      <a:lnRef idx="0">
+        <a:scrgbClr r="0" g="0" b="0"/>
+      </a:lnRef>
+      <a:fillRef idx="3">
+        <a:scrgbClr r="0" g="0" b="0"/>
+      </a:fillRef>
+      <a:effectRef idx="2">
+        <a:scrgbClr r="0" g="0" b="0"/>
+      </a:effectRef>
+      <a:fontRef idx="minor">
+        <a:schemeClr val="lt1"/>
+      </a:fontRef>
+    </dgm:style>
+  </dgm:styleLbl>
+  <dgm:styleLbl name="asst1">
+    <dgm:scene3d>
+      <a:camera prst="orthographicFront"/>
+      <a:lightRig rig="threePt" dir="t"/>
+    </dgm:scene3d>
+    <dgm:sp3d/>
+    <dgm:txPr/>
+    <dgm:style>
+      <a:lnRef idx="0">
+        <a:scrgbClr r="0" g="0" b="0"/>
+      </a:lnRef>
+      <a:fillRef idx="3">
+        <a:scrgbClr r="0" g="0" b="0"/>
+      </a:fillRef>
+      <a:effectRef idx="2">
+        <a:scrgbClr r="0" g="0" b="0"/>
+      </a:effectRef>
+      <a:fontRef idx="minor">
+        <a:schemeClr val="lt1"/>
+      </a:fontRef>
+    </dgm:style>
+  </dgm:styleLbl>
+  <dgm:styleLbl name="asst2">
+    <dgm:scene3d>
+      <a:camera prst="orthographicFront"/>
+      <a:lightRig rig="threePt" dir="t"/>
+    </dgm:scene3d>
+    <dgm:sp3d/>
+    <dgm:txPr/>
+    <dgm:style>
+      <a:lnRef idx="0">
+        <a:scrgbClr r="0" g="0" b="0"/>
+      </a:lnRef>
+      <a:fillRef idx="3">
+        <a:scrgbClr r="0" g="0" b="0"/>
+      </a:fillRef>
+      <a:effectRef idx="2">
+        <a:scrgbClr r="0" g="0" b="0"/>
+      </a:effectRef>
+      <a:fontRef idx="minor">
+        <a:schemeClr val="lt1"/>
+      </a:fontRef>
+    </dgm:style>
+  </dgm:styleLbl>
+  <dgm:styleLbl name="asst3">
+    <dgm:scene3d>
+      <a:camera prst="orthographicFront"/>
+      <a:lightRig rig="threePt" dir="t"/>
+    </dgm:scene3d>
+    <dgm:sp3d/>
+    <dgm:txPr/>
+    <dgm:style>
+      <a:lnRef idx="0">
+        <a:scrgbClr r="0" g="0" b="0"/>
+      </a:lnRef>
+      <a:fillRef idx="3">
+        <a:scrgbClr r="0" g="0" b="0"/>
+      </a:fillRef>
+      <a:effectRef idx="2">
+        <a:scrgbClr r="0" g="0" b="0"/>
+      </a:effectRef>
+      <a:fontRef idx="minor">
+        <a:schemeClr val="lt1"/>
+      </a:fontRef>
+    </dgm:style>
+  </dgm:styleLbl>
+  <dgm:styleLbl name="asst4">
+    <dgm:scene3d>
+      <a:camera prst="orthographicFront"/>
+      <a:lightRig rig="threePt" dir="t"/>
+    </dgm:scene3d>
+    <dgm:sp3d/>
+    <dgm:txPr/>
+    <dgm:style>
+      <a:lnRef idx="0">
+        <a:scrgbClr r="0" g="0" b="0"/>
+      </a:lnRef>
+      <a:fillRef idx="3">
+        <a:scrgbClr r="0" g="0" b="0"/>
+      </a:fillRef>
+      <a:effectRef idx="2">
+        <a:scrgbClr r="0" g="0" b="0"/>
+      </a:effectRef>
+      <a:fontRef idx="minor">
+        <a:schemeClr val="lt1"/>
+      </a:fontRef>
+    </dgm:style>
+  </dgm:styleLbl>
+  <dgm:styleLbl name="parChTrans2D1">
+    <dgm:scene3d>
+      <a:camera prst="orthographicFront"/>
+      <a:lightRig rig="threePt" dir="t"/>
+    </dgm:scene3d>
+    <dgm:sp3d/>
+    <dgm:txPr/>
+    <dgm:style>
+      <a:lnRef idx="0">
+        <a:scrgbClr r="0" g="0" b="0"/>
+      </a:lnRef>
+      <a:fillRef idx="3">
+        <a:scrgbClr r="0" g="0" b="0"/>
+      </a:fillRef>
+      <a:effectRef idx="2">
+        <a:scrgbClr r="0" g="0" b="0"/>
+      </a:effectRef>
+      <a:fontRef idx="minor">
+        <a:schemeClr val="lt1"/>
+      </a:fontRef>
+    </dgm:style>
+  </dgm:styleLbl>
+  <dgm:styleLbl name="parChTrans2D2">
+    <dgm:scene3d>
+      <a:camera prst="orthographicFront"/>
+      <a:lightRig rig="threePt" dir="t"/>
+    </dgm:scene3d>
+    <dgm:sp3d/>
+    <dgm:txPr/>
+    <dgm:style>
+      <a:lnRef idx="0">
+        <a:scrgbClr r="0" g="0" b="0"/>
+      </a:lnRef>
+      <a:fillRef idx="3">
+        <a:scrgbClr r="0" g="0" b="0"/>
+      </a:fillRef>
+      <a:effectRef idx="2">
+        <a:scrgbClr r="0" g="0" b="0"/>
+      </a:effectRef>
+      <a:fontRef idx="minor">
+        <a:schemeClr val="lt1"/>
+      </a:fontRef>
+    </dgm:style>
+  </dgm:styleLbl>
+  <dgm:styleLbl name="parChTrans2D3">
+    <dgm:scene3d>
+      <a:camera prst="orthographicFront"/>
+      <a:lightRig rig="threePt" dir="t"/>
+    </dgm:scene3d>
+    <dgm:sp3d/>
+    <dgm:txPr/>
+    <dgm:style>
+      <a:lnRef idx="1">
+        <a:scrgbClr r="0" g="0" b="0"/>
+      </a:lnRef>
+      <a:fillRef idx="3">
+        <a:scrgbClr r="0" g="0" b="0"/>
+      </a:fillRef>
+      <a:effectRef idx="2">
+        <a:scrgbClr r="0" g="0" b="0"/>
+      </a:effectRef>
+      <a:fontRef idx="minor">
+        <a:schemeClr val="lt1"/>
+      </a:fontRef>
+    </dgm:style>
+  </dgm:styleLbl>
+  <dgm:styleLbl name="parChTrans2D4">
+    <dgm:scene3d>
+      <a:camera prst="orthographicFront"/>
+      <a:lightRig rig="threePt" dir="t"/>
+    </dgm:scene3d>
+    <dgm:sp3d/>
+    <dgm:txPr/>
+    <dgm:style>
+      <a:lnRef idx="1">
+        <a:scrgbClr r="0" g="0" b="0"/>
+      </a:lnRef>
+      <a:fillRef idx="3">
+        <a:scrgbClr r="0" g="0" b="0"/>
+      </a:fillRef>
+      <a:effectRef idx="2">
+        <a:scrgbClr r="0" g="0" b="0"/>
+      </a:effectRef>
+      <a:fontRef idx="minor">
+        <a:schemeClr val="lt1"/>
+      </a:fontRef>
+    </dgm:style>
+  </dgm:styleLbl>
+  <dgm:styleLbl name="parChTrans1D1">
+    <dgm:scene3d>
+      <a:camera prst="orthographicFront"/>
+      <a:lightRig rig="threePt" dir="t"/>
+    </dgm:scene3d>
+    <dgm:sp3d/>
+    <dgm:txPr/>
+    <dgm:style>
+      <a:lnRef idx="1">
+        <a:scrgbClr r="0" g="0" b="0"/>
+      </a:lnRef>
+      <a:fillRef idx="0">
+        <a:scrgbClr r="0" g="0" b="0"/>
+      </a:fillRef>
+      <a:effectRef idx="0">
+        <a:scrgbClr r="0" g="0" b="0"/>
+      </a:effectRef>
+      <a:fontRef idx="minor"/>
+    </dgm:style>
+  </dgm:styleLbl>
+  <dgm:styleLbl name="parChTrans1D2">
+    <dgm:scene3d>
+      <a:camera prst="orthographicFront"/>
+      <a:lightRig rig="threePt" dir="t"/>
+    </dgm:scene3d>
+    <dgm:sp3d/>
+    <dgm:txPr/>
+    <dgm:style>
+      <a:lnRef idx="1">
+        <a:scrgbClr r="0" g="0" b="0"/>
+      </a:lnRef>
+      <a:fillRef idx="0">
+        <a:scrgbClr r="0" g="0" b="0"/>
+      </a:fillRef>
+      <a:effectRef idx="0">
+        <a:scrgbClr r="0" g="0" b="0"/>
+      </a:effectRef>
+      <a:fontRef idx="minor"/>
+    </dgm:style>
+  </dgm:styleLbl>
+  <dgm:styleLbl name="parChTrans1D3">
+    <dgm:scene3d>
+      <a:camera prst="orthographicFront"/>
+      <a:lightRig rig="threePt" dir="t"/>
+    </dgm:scene3d>
+    <dgm:sp3d/>
+    <dgm:txPr/>
+    <dgm:style>
+      <a:lnRef idx="1">
+        <a:scrgbClr r="0" g="0" b="0"/>
+      </a:lnRef>
+      <a:fillRef idx="0">
+        <a:scrgbClr r="0" g="0" b="0"/>
+      </a:fillRef>
+      <a:effectRef idx="0">
+        <a:scrgbClr r="0" g="0" b="0"/>
+      </a:effectRef>
+      <a:fontRef idx="minor"/>
+    </dgm:style>
+  </dgm:styleLbl>
+  <dgm:styleLbl name="parChTrans1D4">
+    <dgm:scene3d>
+      <a:camera prst="orthographicFront"/>
+      <a:lightRig rig="threePt" dir="t"/>
+    </dgm:scene3d>
+    <dgm:sp3d/>
+    <dgm:txPr/>
+    <dgm:style>
+      <a:lnRef idx="1">
+        <a:scrgbClr r="0" g="0" b="0"/>
+      </a:lnRef>
+      <a:fillRef idx="0">
+        <a:scrgbClr r="0" g="0" b="0"/>
+      </a:fillRef>
+      <a:effectRef idx="0">
+        <a:scrgbClr r="0" g="0" b="0"/>
+      </a:effectRef>
+      <a:fontRef idx="minor"/>
+    </dgm:style>
+  </dgm:styleLbl>
+  <dgm:styleLbl name="fgAcc1">
+    <dgm:scene3d>
+      <a:camera prst="orthographicFront"/>
+      <a:lightRig rig="threePt" dir="t"/>
+    </dgm:scene3d>
+    <dgm:sp3d/>
+    <dgm:txPr/>
+    <dgm:style>
+      <a:lnRef idx="1">
+        <a:scrgbClr r="0" g="0" b="0"/>
+      </a:lnRef>
+      <a:fillRef idx="1">
+        <a:scrgbClr r="0" g="0" b="0"/>
+      </a:fillRef>
+      <a:effectRef idx="0">
+        <a:scrgbClr r="0" g="0" b="0"/>
+      </a:effectRef>
+      <a:fontRef idx="minor"/>
+    </dgm:style>
+  </dgm:styleLbl>
+  <dgm:styleLbl name="conFgAcc1">
+    <dgm:scene3d>
+      <a:camera prst="orthographicFront"/>
+      <a:lightRig rig="threePt" dir="t"/>
+    </dgm:scene3d>
+    <dgm:sp3d/>
+    <dgm:txPr/>
+    <dgm:style>
+      <a:lnRef idx="1">
+        <a:scrgbClr r="0" g="0" b="0"/>
+      </a:lnRef>
+      <a:fillRef idx="1">
+        <a:scrgbClr r="0" g="0" b="0"/>
+      </a:fillRef>
+      <a:effectRef idx="0">
+        <a:scrgbClr r="0" g="0" b="0"/>
+      </a:effectRef>
+      <a:fontRef idx="minor"/>
+    </dgm:style>
+  </dgm:styleLbl>
+  <dgm:styleLbl name="alignAcc1">
+    <dgm:scene3d>
+      <a:camera prst="orthographicFront"/>
+      <a:lightRig rig="threePt" dir="t"/>
+    </dgm:scene3d>
+    <dgm:sp3d/>
+    <dgm:txPr/>
+    <dgm:style>
+      <a:lnRef idx="1">
+        <a:scrgbClr r="0" g="0" b="0"/>
+      </a:lnRef>
+      <a:fillRef idx="1">
+        <a:scrgbClr r="0" g="0" b="0"/>
+      </a:fillRef>
+      <a:effectRef idx="0">
+        <a:scrgbClr r="0" g="0" b="0"/>
+      </a:effectRef>
+      <a:fontRef idx="minor"/>
+    </dgm:style>
+  </dgm:styleLbl>
+  <dgm:styleLbl name="trAlignAcc1">
+    <dgm:scene3d>
+      <a:camera prst="orthographicFront"/>
+      <a:lightRig rig="threePt" dir="t"/>
+    </dgm:scene3d>
+    <dgm:sp3d/>
+    <dgm:txPr/>
+    <dgm:style>
+      <a:lnRef idx="1">
+        <a:scrgbClr r="0" g="0" b="0"/>
+      </a:lnRef>
+      <a:fillRef idx="1">
+        <a:scrgbClr r="0" g="0" b="0"/>
+      </a:fillRef>
+      <a:effectRef idx="0">
+        <a:scrgbClr r="0" g="0" b="0"/>
+      </a:effectRef>
+      <a:fontRef idx="minor"/>
+    </dgm:style>
+  </dgm:styleLbl>
+  <dgm:styleLbl name="bgAcc1">
+    <dgm:scene3d>
+      <a:camera prst="orthographicFront"/>
+      <a:lightRig rig="threePt" dir="t"/>
+    </dgm:scene3d>
+    <dgm:sp3d/>
+    <dgm:txPr/>
+    <dgm:style>
+      <a:lnRef idx="1">
+        <a:scrgbClr r="0" g="0" b="0"/>
+      </a:lnRef>
+      <a:fillRef idx="1">
+        <a:scrgbClr r="0" g="0" b="0"/>
+      </a:fillRef>
+      <a:effectRef idx="0">
+        <a:scrgbClr r="0" g="0" b="0"/>
+      </a:effectRef>
+      <a:fontRef idx="minor"/>
+    </dgm:style>
+  </dgm:styleLbl>
+  <dgm:styleLbl name="solidFgAcc1">
+    <dgm:scene3d>
+      <a:camera prst="orthographicFront"/>
+      <a:lightRig rig="threePt" dir="t"/>
+    </dgm:scene3d>
+    <dgm:sp3d/>
+    <dgm:txPr/>
+    <dgm:style>
+      <a:lnRef idx="1">
+        <a:scrgbClr r="0" g="0" b="0"/>
+      </a:lnRef>
+      <a:fillRef idx="1">
+        <a:scrgbClr r="0" g="0" b="0"/>
+      </a:fillRef>
+      <a:effectRef idx="0">
+        <a:scrgbClr r="0" g="0" b="0"/>
+      </a:effectRef>
+      <a:fontRef idx="minor"/>
+    </dgm:style>
+  </dgm:styleLbl>
+  <dgm:styleLbl name="solidAlignAcc1">
+    <dgm:scene3d>
+      <a:camera prst="orthographicFront"/>
+      <a:lightRig rig="threePt" dir="t"/>
+    </dgm:scene3d>
+    <dgm:sp3d/>
+    <dgm:txPr/>
+    <dgm:style>
+      <a:lnRef idx="1">
+        <a:scrgbClr r="0" g="0" b="0"/>
+      </a:lnRef>
+      <a:fillRef idx="1">
+        <a:scrgbClr r="0" g="0" b="0"/>
+      </a:fillRef>
+      <a:effectRef idx="0">
+        <a:scrgbClr r="0" g="0" b="0"/>
+      </a:effectRef>
+      <a:fontRef idx="minor"/>
+    </dgm:style>
+  </dgm:styleLbl>
+  <dgm:styleLbl name="solidBgAcc1">
+    <dgm:scene3d>
+      <a:camera prst="orthographicFront"/>
+      <a:lightRig rig="threePt" dir="t"/>
+    </dgm:scene3d>
+    <dgm:sp3d/>
+    <dgm:txPr/>
+    <dgm:style>
+      <a:lnRef idx="1">
+        <a:scrgbClr r="0" g="0" b="0"/>
+      </a:lnRef>
+      <a:fillRef idx="1">
+        <a:scrgbClr r="0" g="0" b="0"/>
+      </a:fillRef>
+      <a:effectRef idx="0">
+        <a:scrgbClr r="0" g="0" b="0"/>
+      </a:effectRef>
+      <a:fontRef idx="minor"/>
+    </dgm:style>
+  </dgm:styleLbl>
+  <dgm:styleLbl name="fgAccFollowNode1">
+    <dgm:scene3d>
+      <a:camera prst="orthographicFront"/>
+      <a:lightRig rig="threePt" dir="t"/>
+    </dgm:scene3d>
+    <dgm:sp3d/>
+    <dgm:txPr/>
+    <dgm:style>
+      <a:lnRef idx="1">
+        <a:scrgbClr r="0" g="0" b="0"/>
+      </a:lnRef>
+      <a:fillRef idx="1">
+        <a:scrgbClr r="0" g="0" b="0"/>
+      </a:fillRef>
+      <a:effectRef idx="0">
+        <a:scrgbClr r="0" g="0" b="0"/>
+      </a:effectRef>
+      <a:fontRef idx="minor"/>
+    </dgm:style>
+  </dgm:styleLbl>
+  <dgm:styleLbl name="alignAccFollowNode1">
+    <dgm:scene3d>
+      <a:camera prst="orthographicFront"/>
+      <a:lightRig rig="threePt" dir="t"/>
+    </dgm:scene3d>
+    <dgm:sp3d/>
+    <dgm:txPr/>
+    <dgm:style>
+      <a:lnRef idx="1">
+        <a:scrgbClr r="0" g="0" b="0"/>
+      </a:lnRef>
+      <a:fillRef idx="1">
+        <a:scrgbClr r="0" g="0" b="0"/>
+      </a:fillRef>
+      <a:effectRef idx="0">
+        <a:scrgbClr r="0" g="0" b="0"/>
+      </a:effectRef>
+      <a:fontRef idx="minor"/>
+    </dgm:style>
+  </dgm:styleLbl>
+  <dgm:styleLbl name="bgAccFollowNode1">
+    <dgm:scene3d>
+      <a:camera prst="orthographicFront"/>
+      <a:lightRig rig="threePt" dir="t"/>
+    </dgm:scene3d>
+    <dgm:sp3d/>
+    <dgm:txPr/>
+    <dgm:style>
+      <a:lnRef idx="1">
+        <a:scrgbClr r="0" g="0" b="0"/>
+      </a:lnRef>
+      <a:fillRef idx="1">
+        <a:scrgbClr r="0" g="0" b="0"/>
+      </a:fillRef>
+      <a:effectRef idx="0">
+        <a:scrgbClr r="0" g="0" b="0"/>
+      </a:effectRef>
+      <a:fontRef idx="minor"/>
+    </dgm:style>
+  </dgm:styleLbl>
+  <dgm:styleLbl name="fgAcc0">
+    <dgm:scene3d>
+      <a:camera prst="orthographicFront"/>
+      <a:lightRig rig="threePt" dir="t"/>
+    </dgm:scene3d>
+    <dgm:sp3d/>
+    <dgm:txPr/>
+    <dgm:style>
+      <a:lnRef idx="1">
+        <a:scrgbClr r="0" g="0" b="0"/>
+      </a:lnRef>
+      <a:fillRef idx="1">
+        <a:scrgbClr r="0" g="0" b="0"/>
+      </a:fillRef>
+      <a:effectRef idx="0">
+        <a:scrgbClr r="0" g="0" b="0"/>
+      </a:effectRef>
+      <a:fontRef idx="minor"/>
+    </dgm:style>
+  </dgm:styleLbl>
+  <dgm:styleLbl name="fgAcc2">
+    <dgm:scene3d>
+      <a:camera prst="orthographicFront"/>
+      <a:lightRig rig="threePt" dir="t"/>
+    </dgm:scene3d>
+    <dgm:sp3d/>
+    <dgm:txPr/>
+    <dgm:style>
+      <a:lnRef idx="1">
+        <a:scrgbClr r="0" g="0" b="0"/>
+      </a:lnRef>
+      <a:fillRef idx="1">
+        <a:scrgbClr r="0" g="0" b="0"/>
+      </a:fillRef>
+      <a:effectRef idx="0">
+        <a:scrgbClr r="0" g="0" b="0"/>
+      </a:effectRef>
+      <a:fontRef idx="minor"/>
+    </dgm:style>
+  </dgm:styleLbl>
+  <dgm:styleLbl name="fgAcc3">
+    <dgm:scene3d>
+      <a:camera prst="orthographicFront"/>
+      <a:lightRig rig="threePt" dir="t"/>
+    </dgm:scene3d>
+    <dgm:sp3d/>
+    <dgm:txPr/>
+    <dgm:style>
+      <a:lnRef idx="1">
+        <a:scrgbClr r="0" g="0" b="0"/>
+      </a:lnRef>
+      <a:fillRef idx="1">
+        <a:scrgbClr r="0" g="0" b="0"/>
+      </a:fillRef>
+      <a:effectRef idx="0">
+        <a:scrgbClr r="0" g="0" b="0"/>
+      </a:effectRef>
+      <a:fontRef idx="minor"/>
+    </dgm:style>
+  </dgm:styleLbl>
+  <dgm:styleLbl name="fgAcc4">
+    <dgm:scene3d>
+      <a:camera prst="orthographicFront"/>
+      <a:lightRig rig="threePt" dir="t"/>
+    </dgm:scene3d>
+    <dgm:sp3d/>
+    <dgm:txPr/>
+    <dgm:style>
+      <a:lnRef idx="1">
+        <a:scrgbClr r="0" g="0" b="0"/>
+      </a:lnRef>
+      <a:fillRef idx="1">
+        <a:scrgbClr r="0" g="0" b="0"/>
+      </a:fillRef>
+      <a:effectRef idx="0">
+        <a:scrgbClr r="0" g="0" b="0"/>
+      </a:effectRef>
+      <a:fontRef idx="minor"/>
+    </dgm:style>
+  </dgm:styleLbl>
+  <dgm:styleLbl name="bgShp">
+    <dgm:scene3d>
+      <a:camera prst="orthographicFront"/>
+      <a:lightRig rig="threePt" dir="t"/>
+    </dgm:scene3d>
+    <dgm:sp3d/>
+    <dgm:txPr/>
+    <dgm:style>
+      <a:lnRef idx="0">
+        <a:scrgbClr r="0" g="0" b="0"/>
+      </a:lnRef>
+      <a:fillRef idx="1">
+        <a:scrgbClr r="0" g="0" b="0"/>
+      </a:fillRef>
+      <a:effectRef idx="2">
+        <a:scrgbClr r="0" g="0" b="0"/>
+      </a:effectRef>
+      <a:fontRef idx="minor"/>
+    </dgm:style>
+  </dgm:styleLbl>
+  <dgm:styleLbl name="dkBgShp">
+    <dgm:scene3d>
+      <a:camera prst="orthographicFront"/>
+      <a:lightRig rig="threePt" dir="t"/>
+    </dgm:scene3d>
+    <dgm:sp3d/>
+    <dgm:txPr/>
+    <dgm:style>
+      <a:lnRef idx="0">
+        <a:scrgbClr r="0" g="0" b="0"/>
+      </a:lnRef>
+      <a:fillRef idx="1">
+        <a:scrgbClr r="0" g="0" b="0"/>
+      </a:fillRef>
+      <a:effectRef idx="2">
+        <a:scrgbClr r="0" g="0" b="0"/>
+      </a:effectRef>
+      <a:fontRef idx="minor"/>
+    </dgm:style>
+  </dgm:styleLbl>
+  <dgm:styleLbl name="trBgShp">
+    <dgm:scene3d>
+      <a:camera prst="orthographicFront"/>
+      <a:lightRig rig="threePt" dir="t"/>
+    </dgm:scene3d>
+    <dgm:sp3d/>
+    <dgm:txPr/>
+    <dgm:style>
+      <a:lnRef idx="0">
+        <a:scrgbClr r="0" g="0" b="0"/>
+      </a:lnRef>
+      <a:fillRef idx="1">
+        <a:scrgbClr r="0" g="0" b="0"/>
+      </a:fillRef>
+      <a:effectRef idx="0">
+        <a:scrgbClr r="0" g="0" b="0"/>
+      </a:effectRef>
+      <a:fontRef idx="minor"/>
+    </dgm:style>
+  </dgm:styleLbl>
+  <dgm:styleLbl name="fgShp">
+    <dgm:scene3d>
+      <a:camera prst="orthographicFront"/>
+      <a:lightRig rig="threePt" dir="t"/>
+    </dgm:scene3d>
+    <dgm:sp3d/>
+    <dgm:txPr/>
+    <dgm:style>
+      <a:lnRef idx="0">
+        <a:scrgbClr r="0" g="0" b="0"/>
+      </a:lnRef>
+      <a:fillRef idx="3">
+        <a:scrgbClr r="0" g="0" b="0"/>
+      </a:fillRef>
+      <a:effectRef idx="2">
+        <a:scrgbClr r="0" g="0" b="0"/>
+      </a:effectRef>
+      <a:fontRef idx="minor"/>
+    </dgm:style>
+  </dgm:styleLbl>
+  <dgm:styleLbl name="revTx">
+    <dgm:scene3d>
+      <a:camera prst="orthographicFront"/>
+      <a:lightRig rig="threePt" dir="t"/>
+    </dgm:scene3d>
+    <dgm:sp3d/>
+    <dgm:txPr/>
+    <dgm:style>
+      <a:lnRef idx="0">
+        <a:scrgbClr r="0" g="0" b="0"/>
+      </a:lnRef>
+      <a:fillRef idx="0">
+        <a:scrgbClr r="0" g="0" b="0"/>
+      </a:fillRef>
+      <a:effectRef idx="0">
+        <a:scrgbClr r="0" g="0" b="0"/>
+      </a:effectRef>
+      <a:fontRef idx="minor"/>
+    </dgm:style>
+  </dgm:styleLbl>
+</dgm:styleDef>
+</file>
+
+<file path=ppt/diagrams/quickStyle6.xml><?xml version="1.0" encoding="utf-8"?>
 <dgm:styleDef xmlns:dgm="http://schemas.openxmlformats.org/drawingml/2006/diagram" xmlns:a="http://schemas.openxmlformats.org/drawingml/2006/main" uniqueId="urn:microsoft.com/office/officeart/2005/8/quickstyle/simple4">
   <dgm:title val=""/>
   <dgm:desc val=""/>
@@ -20775,6 +23306,661 @@
 </p:sld>
 </file>
 
+<file path=ppt/slides/slide7.xml><?xml version="1.0" encoding="utf-8"?>
+<p:sld xmlns:a="http://schemas.openxmlformats.org/drawingml/2006/main" xmlns:r="http://schemas.openxmlformats.org/officeDocument/2006/relationships" xmlns:p="http://schemas.openxmlformats.org/presentationml/2006/main">
+  <p:cSld>
+    <p:bg>
+      <p:bgPr>
+        <a:solidFill>
+          <a:schemeClr val="bg1"/>
+        </a:solidFill>
+        <a:effectLst/>
+      </p:bgPr>
+    </p:bg>
+    <p:spTree>
+      <p:nvGrpSpPr>
+        <p:cNvPr id="1" name=""/>
+        <p:cNvGrpSpPr/>
+        <p:nvPr/>
+      </p:nvGrpSpPr>
+      <p:grpSpPr>
+        <a:xfrm>
+          <a:off x="0" y="0"/>
+          <a:ext cx="0" cy="0"/>
+          <a:chOff x="0" y="0"/>
+          <a:chExt cx="0" cy="0"/>
+        </a:xfrm>
+      </p:grpSpPr>
+      <p:sp useBgFill="1">
+        <p:nvSpPr>
+          <p:cNvPr id="26" name="Rectangle 25">
+            <a:extLst>
+              <a:ext uri="{FF2B5EF4-FFF2-40B4-BE49-F238E27FC236}">
+                <a16:creationId xmlns:a16="http://schemas.microsoft.com/office/drawing/2014/main" id="{BACC6370-2D7E-4714-9D71-7542949D7D5D}"/>
+              </a:ext>
+              <a:ext uri="{C183D7F6-B498-43B3-948B-1728B52AA6E4}">
+                <adec:decorative xmlns:adec="http://schemas.microsoft.com/office/drawing/2017/decorative" val="1"/>
+              </a:ext>
+            </a:extLst>
+          </p:cNvPr>
+          <p:cNvSpPr>
+            <a:spLocks noGrp="1" noRot="1" noChangeAspect="1" noMove="1" noResize="1" noEditPoints="1" noAdjustHandles="1" noChangeArrowheads="1" noChangeShapeType="1" noTextEdit="1"/>
+          </p:cNvSpPr>
+          <p:nvPr>
+            <p:extLst>
+              <p:ext uri="{386F3935-93C4-4BCD-93E2-E3B085C9AB24}">
+                <p16:designElem xmlns:p16="http://schemas.microsoft.com/office/powerpoint/2015/main" val="1"/>
+              </p:ext>
+            </p:extLst>
+          </p:nvPr>
+        </p:nvSpPr>
+        <p:spPr>
+          <a:xfrm>
+            <a:off x="0" y="0"/>
+            <a:ext cx="12192000" cy="6858000"/>
+          </a:xfrm>
+          <a:prstGeom prst="rect">
+            <a:avLst/>
+          </a:prstGeom>
+          <a:ln w="12700" cap="flat" cmpd="sng" algn="ctr">
+            <a:noFill/>
+            <a:prstDash val="solid"/>
+            <a:miter lim="800000"/>
+          </a:ln>
+          <a:effectLst/>
+          <a:extLst>
+            <a:ext uri="{91240B29-F687-4F45-9708-019B960494DF}">
+              <a14:hiddenLine xmlns:a14="http://schemas.microsoft.com/office/drawing/2010/main" w="12700" cap="flat" cmpd="sng" algn="ctr">
+                <a:solidFill>
+                  <a:schemeClr val="accent1">
+                    <a:shade val="50000"/>
+                  </a:schemeClr>
+                </a:solidFill>
+                <a:prstDash val="solid"/>
+                <a:miter lim="800000"/>
+              </a14:hiddenLine>
+            </a:ext>
+          </a:extLst>
+        </p:spPr>
+        <p:style>
+          <a:lnRef idx="2">
+            <a:schemeClr val="accent1">
+              <a:shade val="50000"/>
+            </a:schemeClr>
+          </a:lnRef>
+          <a:fillRef idx="1">
+            <a:schemeClr val="accent1"/>
+          </a:fillRef>
+          <a:effectRef idx="0">
+            <a:schemeClr val="accent1"/>
+          </a:effectRef>
+          <a:fontRef idx="minor">
+            <a:schemeClr val="lt1"/>
+          </a:fontRef>
+        </p:style>
+        <p:txBody>
+          <a:bodyPr rtlCol="0" anchor="ctr"/>
+          <a:lstStyle/>
+          <a:p>
+            <a:pPr algn="ctr"/>
+            <a:endParaRPr lang="en-US"/>
+          </a:p>
+        </p:txBody>
+      </p:sp>
+      <p:sp>
+        <p:nvSpPr>
+          <p:cNvPr id="28" name="Rectangle 27">
+            <a:extLst>
+              <a:ext uri="{FF2B5EF4-FFF2-40B4-BE49-F238E27FC236}">
+                <a16:creationId xmlns:a16="http://schemas.microsoft.com/office/drawing/2014/main" id="{256B2C21-A230-48C0-8DF1-C46611373C44}"/>
+              </a:ext>
+              <a:ext uri="{C183D7F6-B498-43B3-948B-1728B52AA6E4}">
+                <adec:decorative xmlns:adec="http://schemas.microsoft.com/office/drawing/2017/decorative" val="1"/>
+              </a:ext>
+            </a:extLst>
+          </p:cNvPr>
+          <p:cNvSpPr>
+            <a:spLocks noGrp="1" noRot="1" noChangeAspect="1" noMove="1" noResize="1" noEditPoints="1" noAdjustHandles="1" noChangeArrowheads="1" noChangeShapeType="1" noTextEdit="1"/>
+          </p:cNvSpPr>
+          <p:nvPr>
+            <p:extLst>
+              <p:ext uri="{386F3935-93C4-4BCD-93E2-E3B085C9AB24}">
+                <p16:designElem xmlns:p16="http://schemas.microsoft.com/office/powerpoint/2015/main" val="1"/>
+              </p:ext>
+            </p:extLst>
+          </p:nvPr>
+        </p:nvSpPr>
+        <p:spPr>
+          <a:xfrm rot="5400000" flipH="1">
+            <a:off x="-1410084" y="1410082"/>
+            <a:ext cx="6858000" cy="4037836"/>
+          </a:xfrm>
+          <a:prstGeom prst="rect">
+            <a:avLst/>
+          </a:prstGeom>
+          <a:gradFill>
+            <a:gsLst>
+              <a:gs pos="8000">
+                <a:srgbClr val="000000"/>
+              </a:gs>
+              <a:gs pos="100000">
+                <a:schemeClr val="accent1">
+                  <a:lumMod val="75000"/>
+                </a:schemeClr>
+              </a:gs>
+            </a:gsLst>
+            <a:lin ang="3000000" scaled="0"/>
+          </a:gradFill>
+          <a:ln>
+            <a:noFill/>
+          </a:ln>
+        </p:spPr>
+        <p:style>
+          <a:lnRef idx="2">
+            <a:schemeClr val="accent1">
+              <a:shade val="50000"/>
+            </a:schemeClr>
+          </a:lnRef>
+          <a:fillRef idx="1">
+            <a:schemeClr val="accent1"/>
+          </a:fillRef>
+          <a:effectRef idx="0">
+            <a:schemeClr val="accent1"/>
+          </a:effectRef>
+          <a:fontRef idx="minor">
+            <a:schemeClr val="lt1"/>
+          </a:fontRef>
+        </p:style>
+        <p:txBody>
+          <a:bodyPr rtlCol="0" anchor="ctr"/>
+          <a:lstStyle/>
+          <a:p>
+            <a:pPr algn="ctr"/>
+            <a:endParaRPr lang="en-US"/>
+          </a:p>
+        </p:txBody>
+      </p:sp>
+      <p:sp>
+        <p:nvSpPr>
+          <p:cNvPr id="30" name="Rectangle 29">
+            <a:extLst>
+              <a:ext uri="{FF2B5EF4-FFF2-40B4-BE49-F238E27FC236}">
+                <a16:creationId xmlns:a16="http://schemas.microsoft.com/office/drawing/2014/main" id="{3847E18C-932D-4C95-AABA-FEC7C9499AD7}"/>
+              </a:ext>
+              <a:ext uri="{C183D7F6-B498-43B3-948B-1728B52AA6E4}">
+                <adec:decorative xmlns:adec="http://schemas.microsoft.com/office/drawing/2017/decorative" val="1"/>
+              </a:ext>
+            </a:extLst>
+          </p:cNvPr>
+          <p:cNvSpPr>
+            <a:spLocks noGrp="1" noRot="1" noChangeAspect="1" noMove="1" noResize="1" noEditPoints="1" noAdjustHandles="1" noChangeArrowheads="1" noChangeShapeType="1" noTextEdit="1"/>
+          </p:cNvSpPr>
+          <p:nvPr>
+            <p:extLst>
+              <p:ext uri="{386F3935-93C4-4BCD-93E2-E3B085C9AB24}">
+                <p16:designElem xmlns:p16="http://schemas.microsoft.com/office/powerpoint/2015/main" val="1"/>
+              </p:ext>
+            </p:extLst>
+          </p:nvPr>
+        </p:nvSpPr>
+        <p:spPr>
+          <a:xfrm rot="5400000" flipH="1">
+            <a:off x="-1410085" y="1420219"/>
+            <a:ext cx="6857999" cy="4037839"/>
+          </a:xfrm>
+          <a:prstGeom prst="rect">
+            <a:avLst/>
+          </a:prstGeom>
+          <a:gradFill>
+            <a:gsLst>
+              <a:gs pos="0">
+                <a:srgbClr val="000000">
+                  <a:alpha val="0"/>
+                </a:srgbClr>
+              </a:gs>
+              <a:gs pos="99000">
+                <a:schemeClr val="accent1">
+                  <a:alpha val="46000"/>
+                </a:schemeClr>
+              </a:gs>
+            </a:gsLst>
+            <a:lin ang="1800000" scaled="0"/>
+          </a:gradFill>
+          <a:ln>
+            <a:noFill/>
+          </a:ln>
+        </p:spPr>
+        <p:style>
+          <a:lnRef idx="2">
+            <a:schemeClr val="accent1">
+              <a:shade val="50000"/>
+            </a:schemeClr>
+          </a:lnRef>
+          <a:fillRef idx="1">
+            <a:schemeClr val="accent1"/>
+          </a:fillRef>
+          <a:effectRef idx="0">
+            <a:schemeClr val="accent1"/>
+          </a:effectRef>
+          <a:fontRef idx="minor">
+            <a:schemeClr val="lt1"/>
+          </a:fontRef>
+        </p:style>
+        <p:txBody>
+          <a:bodyPr rtlCol="0" anchor="ctr"/>
+          <a:lstStyle/>
+          <a:p>
+            <a:pPr algn="ctr"/>
+            <a:endParaRPr lang="en-US"/>
+          </a:p>
+        </p:txBody>
+      </p:sp>
+      <p:sp>
+        <p:nvSpPr>
+          <p:cNvPr id="32" name="Rectangle 31">
+            <a:extLst>
+              <a:ext uri="{FF2B5EF4-FFF2-40B4-BE49-F238E27FC236}">
+                <a16:creationId xmlns:a16="http://schemas.microsoft.com/office/drawing/2014/main" id="{3150CB11-0C61-439E-910F-5787759E72A0}"/>
+              </a:ext>
+              <a:ext uri="{C183D7F6-B498-43B3-948B-1728B52AA6E4}">
+                <adec:decorative xmlns:adec="http://schemas.microsoft.com/office/drawing/2017/decorative" val="1"/>
+              </a:ext>
+            </a:extLst>
+          </p:cNvPr>
+          <p:cNvSpPr>
+            <a:spLocks noGrp="1" noRot="1" noChangeAspect="1" noMove="1" noResize="1" noEditPoints="1" noAdjustHandles="1" noChangeArrowheads="1" noChangeShapeType="1" noTextEdit="1"/>
+          </p:cNvSpPr>
+          <p:nvPr>
+            <p:extLst>
+              <p:ext uri="{386F3935-93C4-4BCD-93E2-E3B085C9AB24}">
+                <p16:designElem xmlns:p16="http://schemas.microsoft.com/office/powerpoint/2015/main" val="1"/>
+              </p:ext>
+            </p:extLst>
+          </p:nvPr>
+        </p:nvSpPr>
+        <p:spPr>
+          <a:xfrm rot="5400000" flipH="1">
+            <a:off x="767923" y="3588085"/>
+            <a:ext cx="2501979" cy="4037841"/>
+          </a:xfrm>
+          <a:prstGeom prst="rect">
+            <a:avLst/>
+          </a:prstGeom>
+          <a:gradFill>
+            <a:gsLst>
+              <a:gs pos="2000">
+                <a:schemeClr val="accent1">
+                  <a:alpha val="29000"/>
+                </a:schemeClr>
+              </a:gs>
+              <a:gs pos="100000">
+                <a:srgbClr val="000000">
+                  <a:alpha val="30000"/>
+                </a:srgbClr>
+              </a:gs>
+            </a:gsLst>
+            <a:lin ang="7800000" scaled="0"/>
+          </a:gradFill>
+          <a:ln>
+            <a:noFill/>
+          </a:ln>
+        </p:spPr>
+        <p:style>
+          <a:lnRef idx="2">
+            <a:schemeClr val="accent1">
+              <a:shade val="50000"/>
+            </a:schemeClr>
+          </a:lnRef>
+          <a:fillRef idx="1">
+            <a:schemeClr val="accent1"/>
+          </a:fillRef>
+          <a:effectRef idx="0">
+            <a:schemeClr val="accent1"/>
+          </a:effectRef>
+          <a:fontRef idx="minor">
+            <a:schemeClr val="lt1"/>
+          </a:fontRef>
+        </p:style>
+        <p:txBody>
+          <a:bodyPr rtlCol="0" anchor="ctr"/>
+          <a:lstStyle/>
+          <a:p>
+            <a:pPr algn="ctr"/>
+            <a:endParaRPr lang="en-US" dirty="0"/>
+          </a:p>
+        </p:txBody>
+      </p:sp>
+      <p:sp>
+        <p:nvSpPr>
+          <p:cNvPr id="34" name="Freeform: Shape 33">
+            <a:extLst>
+              <a:ext uri="{FF2B5EF4-FFF2-40B4-BE49-F238E27FC236}">
+                <a16:creationId xmlns:a16="http://schemas.microsoft.com/office/drawing/2014/main" id="{43F8A58B-5155-44CE-A5FF-7647B47D0A7A}"/>
+              </a:ext>
+              <a:ext uri="{C183D7F6-B498-43B3-948B-1728B52AA6E4}">
+                <adec:decorative xmlns:adec="http://schemas.microsoft.com/office/drawing/2017/decorative" val="1"/>
+              </a:ext>
+            </a:extLst>
+          </p:cNvPr>
+          <p:cNvSpPr>
+            <a:spLocks noGrp="1" noRot="1" noChangeAspect="1" noMove="1" noResize="1" noEditPoints="1" noAdjustHandles="1" noChangeArrowheads="1" noChangeShapeType="1" noTextEdit="1"/>
+          </p:cNvSpPr>
+          <p:nvPr>
+            <p:extLst>
+              <p:ext uri="{386F3935-93C4-4BCD-93E2-E3B085C9AB24}">
+                <p16:designElem xmlns:p16="http://schemas.microsoft.com/office/powerpoint/2015/main" val="1"/>
+              </p:ext>
+            </p:extLst>
+          </p:nvPr>
+        </p:nvSpPr>
+        <p:spPr>
+          <a:xfrm rot="20635413">
+            <a:off x="-501737" y="969718"/>
+            <a:ext cx="3900357" cy="4178958"/>
+          </a:xfrm>
+          <a:custGeom>
+            <a:avLst/>
+            <a:gdLst>
+              <a:gd name="connsiteX0" fmla="*/ 2432225 w 3900357"/>
+              <a:gd name="connsiteY0" fmla="*/ 93939 h 4178958"/>
+              <a:gd name="connsiteX1" fmla="*/ 3900357 w 3900357"/>
+              <a:gd name="connsiteY1" fmla="*/ 2089479 h 4178958"/>
+              <a:gd name="connsiteX2" fmla="*/ 1810878 w 3900357"/>
+              <a:gd name="connsiteY2" fmla="*/ 4178958 h 4178958"/>
+              <a:gd name="connsiteX3" fmla="*/ 78249 w 3900357"/>
+              <a:gd name="connsiteY3" fmla="*/ 3257727 h 4178958"/>
+              <a:gd name="connsiteX4" fmla="*/ 0 w 3900357"/>
+              <a:gd name="connsiteY4" fmla="*/ 3128923 h 4178958"/>
+              <a:gd name="connsiteX5" fmla="*/ 831324 w 3900357"/>
+              <a:gd name="connsiteY5" fmla="*/ 244281 h 4178958"/>
+              <a:gd name="connsiteX6" fmla="*/ 997559 w 3900357"/>
+              <a:gd name="connsiteY6" fmla="*/ 164202 h 4178958"/>
+              <a:gd name="connsiteX7" fmla="*/ 1810878 w 3900357"/>
+              <a:gd name="connsiteY7" fmla="*/ 0 h 4178958"/>
+              <a:gd name="connsiteX8" fmla="*/ 2432225 w 3900357"/>
+              <a:gd name="connsiteY8" fmla="*/ 93939 h 4178958"/>
+            </a:gdLst>
+            <a:ahLst/>
+            <a:cxnLst>
+              <a:cxn ang="0">
+                <a:pos x="connsiteX0" y="connsiteY0"/>
+              </a:cxn>
+              <a:cxn ang="0">
+                <a:pos x="connsiteX1" y="connsiteY1"/>
+              </a:cxn>
+              <a:cxn ang="0">
+                <a:pos x="connsiteX2" y="connsiteY2"/>
+              </a:cxn>
+              <a:cxn ang="0">
+                <a:pos x="connsiteX3" y="connsiteY3"/>
+              </a:cxn>
+              <a:cxn ang="0">
+                <a:pos x="connsiteX4" y="connsiteY4"/>
+              </a:cxn>
+              <a:cxn ang="0">
+                <a:pos x="connsiteX5" y="connsiteY5"/>
+              </a:cxn>
+              <a:cxn ang="0">
+                <a:pos x="connsiteX6" y="connsiteY6"/>
+              </a:cxn>
+              <a:cxn ang="0">
+                <a:pos x="connsiteX7" y="connsiteY7"/>
+              </a:cxn>
+              <a:cxn ang="0">
+                <a:pos x="connsiteX8" y="connsiteY8"/>
+              </a:cxn>
+            </a:cxnLst>
+            <a:rect l="l" t="t" r="r" b="b"/>
+            <a:pathLst>
+              <a:path w="3900357" h="4178958">
+                <a:moveTo>
+                  <a:pt x="2432225" y="93939"/>
+                </a:moveTo>
+                <a:cubicBezTo>
+                  <a:pt x="3282786" y="358491"/>
+                  <a:pt x="3900357" y="1151865"/>
+                  <a:pt x="3900357" y="2089479"/>
+                </a:cubicBezTo>
+                <a:cubicBezTo>
+                  <a:pt x="3900357" y="3243466"/>
+                  <a:pt x="2964865" y="4178958"/>
+                  <a:pt x="1810878" y="4178958"/>
+                </a:cubicBezTo>
+                <a:cubicBezTo>
+                  <a:pt x="1089636" y="4178958"/>
+                  <a:pt x="453744" y="3813531"/>
+                  <a:pt x="78249" y="3257727"/>
+                </a:cubicBezTo>
+                <a:lnTo>
+                  <a:pt x="0" y="3128923"/>
+                </a:lnTo>
+                <a:lnTo>
+                  <a:pt x="831324" y="244281"/>
+                </a:lnTo>
+                <a:lnTo>
+                  <a:pt x="997559" y="164202"/>
+                </a:lnTo>
+                <a:cubicBezTo>
+                  <a:pt x="1247540" y="58468"/>
+                  <a:pt x="1522381" y="0"/>
+                  <a:pt x="1810878" y="0"/>
+                </a:cubicBezTo>
+                <a:cubicBezTo>
+                  <a:pt x="2027251" y="0"/>
+                  <a:pt x="2235942" y="32888"/>
+                  <a:pt x="2432225" y="93939"/>
+                </a:cubicBezTo>
+                <a:close/>
+              </a:path>
+            </a:pathLst>
+          </a:custGeom>
+          <a:gradFill>
+            <a:gsLst>
+              <a:gs pos="29000">
+                <a:srgbClr val="000000">
+                  <a:alpha val="0"/>
+                </a:srgbClr>
+              </a:gs>
+              <a:gs pos="100000">
+                <a:schemeClr val="accent1">
+                  <a:alpha val="43000"/>
+                </a:schemeClr>
+              </a:gs>
+            </a:gsLst>
+            <a:lin ang="1800000" scaled="0"/>
+          </a:gradFill>
+          <a:ln>
+            <a:noFill/>
+          </a:ln>
+        </p:spPr>
+        <p:style>
+          <a:lnRef idx="2">
+            <a:schemeClr val="accent1">
+              <a:shade val="50000"/>
+            </a:schemeClr>
+          </a:lnRef>
+          <a:fillRef idx="1">
+            <a:schemeClr val="accent1"/>
+          </a:fillRef>
+          <a:effectRef idx="0">
+            <a:schemeClr val="accent1"/>
+          </a:effectRef>
+          <a:fontRef idx="minor">
+            <a:schemeClr val="lt1"/>
+          </a:fontRef>
+        </p:style>
+        <p:txBody>
+          <a:bodyPr wrap="square" rtlCol="0" anchor="ctr">
+            <a:noAutofit/>
+          </a:bodyPr>
+          <a:lstStyle/>
+          <a:p>
+            <a:pPr algn="ctr"/>
+            <a:endParaRPr lang="en-US" dirty="0"/>
+          </a:p>
+        </p:txBody>
+      </p:sp>
+      <p:sp>
+        <p:nvSpPr>
+          <p:cNvPr id="36" name="Rectangle 35">
+            <a:extLst>
+              <a:ext uri="{FF2B5EF4-FFF2-40B4-BE49-F238E27FC236}">
+                <a16:creationId xmlns:a16="http://schemas.microsoft.com/office/drawing/2014/main" id="{443F2ACA-E6D6-4028-82DD-F03C262D5DE6}"/>
+              </a:ext>
+              <a:ext uri="{C183D7F6-B498-43B3-948B-1728B52AA6E4}">
+                <adec:decorative xmlns:adec="http://schemas.microsoft.com/office/drawing/2017/decorative" val="1"/>
+              </a:ext>
+            </a:extLst>
+          </p:cNvPr>
+          <p:cNvSpPr>
+            <a:spLocks noGrp="1" noRot="1" noChangeAspect="1" noMove="1" noResize="1" noEditPoints="1" noAdjustHandles="1" noChangeArrowheads="1" noChangeShapeType="1" noTextEdit="1"/>
+          </p:cNvSpPr>
+          <p:nvPr>
+            <p:extLst>
+              <p:ext uri="{386F3935-93C4-4BCD-93E2-E3B085C9AB24}">
+                <p16:designElem xmlns:p16="http://schemas.microsoft.com/office/powerpoint/2015/main" val="1"/>
+              </p:ext>
+            </p:extLst>
+          </p:nvPr>
+        </p:nvSpPr>
+        <p:spPr>
+          <a:xfrm rot="5400000" flipH="1">
+            <a:off x="-1410095" y="1410079"/>
+            <a:ext cx="6858003" cy="4037835"/>
+          </a:xfrm>
+          <a:prstGeom prst="rect">
+            <a:avLst/>
+          </a:prstGeom>
+          <a:gradFill>
+            <a:gsLst>
+              <a:gs pos="0">
+                <a:srgbClr val="000000">
+                  <a:alpha val="0"/>
+                </a:srgbClr>
+              </a:gs>
+              <a:gs pos="99000">
+                <a:schemeClr val="accent1">
+                  <a:lumMod val="60000"/>
+                  <a:lumOff val="40000"/>
+                  <a:alpha val="11000"/>
+                </a:schemeClr>
+              </a:gs>
+            </a:gsLst>
+            <a:lin ang="7200000" scaled="0"/>
+          </a:gradFill>
+          <a:ln>
+            <a:noFill/>
+          </a:ln>
+        </p:spPr>
+        <p:style>
+          <a:lnRef idx="2">
+            <a:schemeClr val="accent1">
+              <a:shade val="50000"/>
+            </a:schemeClr>
+          </a:lnRef>
+          <a:fillRef idx="1">
+            <a:schemeClr val="accent1"/>
+          </a:fillRef>
+          <a:effectRef idx="0">
+            <a:schemeClr val="accent1"/>
+          </a:effectRef>
+          <a:fontRef idx="minor">
+            <a:schemeClr val="lt1"/>
+          </a:fontRef>
+        </p:style>
+        <p:txBody>
+          <a:bodyPr rtlCol="0" anchor="ctr"/>
+          <a:lstStyle/>
+          <a:p>
+            <a:pPr algn="ctr"/>
+            <a:endParaRPr lang="en-US"/>
+          </a:p>
+        </p:txBody>
+      </p:sp>
+      <p:sp>
+        <p:nvSpPr>
+          <p:cNvPr id="2" name="Naslov 1">
+            <a:extLst>
+              <a:ext uri="{FF2B5EF4-FFF2-40B4-BE49-F238E27FC236}">
+                <a16:creationId xmlns:a16="http://schemas.microsoft.com/office/drawing/2014/main" id="{5AED0D31-6A53-BBDA-8CDB-9F9B83695FAF}"/>
+              </a:ext>
+            </a:extLst>
+          </p:cNvPr>
+          <p:cNvSpPr>
+            <a:spLocks noGrp="1"/>
+          </p:cNvSpPr>
+          <p:nvPr>
+            <p:ph type="title"/>
+          </p:nvPr>
+        </p:nvSpPr>
+        <p:spPr>
+          <a:xfrm>
+            <a:off x="586478" y="1683756"/>
+            <a:ext cx="3115265" cy="2396359"/>
+          </a:xfrm>
+        </p:spPr>
+        <p:txBody>
+          <a:bodyPr anchor="b">
+            <a:normAutofit/>
+          </a:bodyPr>
+          <a:lstStyle/>
+          <a:p>
+            <a:pPr algn="r"/>
+            <a:r>
+              <a:rPr lang="sl-SI" sz="4000">
+                <a:solidFill>
+                  <a:srgbClr val="FFFFFF"/>
+                </a:solidFill>
+              </a:rPr>
+              <a:t>Objava spletišča v internetu</a:t>
+            </a:r>
+          </a:p>
+        </p:txBody>
+      </p:sp>
+      <p:graphicFrame>
+        <p:nvGraphicFramePr>
+          <p:cNvPr id="22" name="Označba mesta vsebine 2">
+            <a:extLst>
+              <a:ext uri="{FF2B5EF4-FFF2-40B4-BE49-F238E27FC236}">
+                <a16:creationId xmlns:a16="http://schemas.microsoft.com/office/drawing/2014/main" id="{0AE89799-89B6-6001-130B-39DBCD247790}"/>
+              </a:ext>
+            </a:extLst>
+          </p:cNvPr>
+          <p:cNvGraphicFramePr>
+            <a:graphicFrameLocks noGrp="1"/>
+          </p:cNvGraphicFramePr>
+          <p:nvPr>
+            <p:ph idx="1"/>
+            <p:extLst>
+              <p:ext uri="{D42A27DB-BD31-4B8C-83A1-F6EECF244321}">
+                <p14:modId xmlns:p14="http://schemas.microsoft.com/office/powerpoint/2010/main" val="3606553480"/>
+              </p:ext>
+            </p:extLst>
+          </p:nvPr>
+        </p:nvGraphicFramePr>
+        <p:xfrm>
+          <a:off x="4905052" y="750440"/>
+          <a:ext cx="6666833" cy="5453920"/>
+        </p:xfrm>
+        <a:graphic>
+          <a:graphicData uri="http://schemas.openxmlformats.org/drawingml/2006/diagram">
+            <dgm:relIds xmlns:dgm="http://schemas.openxmlformats.org/drawingml/2006/diagram" xmlns:r="http://schemas.openxmlformats.org/officeDocument/2006/relationships" r:dm="rId2" r:lo="rId3" r:qs="rId4" r:cs="rId5"/>
+          </a:graphicData>
+        </a:graphic>
+      </p:graphicFrame>
+    </p:spTree>
+    <p:extLst>
+      <p:ext uri="{BB962C8B-B14F-4D97-AF65-F5344CB8AC3E}">
+        <p14:creationId xmlns:p14="http://schemas.microsoft.com/office/powerpoint/2010/main" val="1040027088"/>
+      </p:ext>
+    </p:extLst>
+  </p:cSld>
+  <p:clrMapOvr>
+    <a:masterClrMapping/>
+  </p:clrMapOvr>
+</p:sld>
+</file>
+
 <file path=ppt/theme/theme1.xml><?xml version="1.0" encoding="utf-8"?>
 <a:theme xmlns:a="http://schemas.openxmlformats.org/drawingml/2006/main" name="Officeova tema">
   <a:themeElements>

--- a/Predstavitev/osebnotrenerstvo.pptx
+++ b/Predstavitev/osebnotrenerstvo.pptx
@@ -10,8 +10,9 @@
     <p:sldId id="258" r:id="rId4"/>
     <p:sldId id="259" r:id="rId5"/>
     <p:sldId id="260" r:id="rId6"/>
-    <p:sldId id="261" r:id="rId7"/>
-    <p:sldId id="262" r:id="rId8"/>
+    <p:sldId id="263" r:id="rId7"/>
+    <p:sldId id="261" r:id="rId8"/>
+    <p:sldId id="262" r:id="rId9"/>
   </p:sldIdLst>
   <p:sldSz cx="12192000" cy="6858000"/>
   <p:notesSz cx="6858000" cy="9144000"/>
@@ -23252,6 +23253,665 @@
           <a:p>
             <a:pPr algn="r"/>
             <a:r>
+              <a:rPr lang="en-US" sz="4000">
+                <a:solidFill>
+                  <a:srgbClr val="FFFFFF"/>
+                </a:solidFill>
+              </a:rPr>
+              <a:t>Blok diagram spletišča</a:t>
+            </a:r>
+            <a:endParaRPr lang="sl-SI" sz="4000" dirty="0">
+              <a:solidFill>
+                <a:srgbClr val="FFFFFF"/>
+              </a:solidFill>
+            </a:endParaRPr>
+          </a:p>
+        </p:txBody>
+      </p:sp>
+      <p:pic>
+        <p:nvPicPr>
+          <p:cNvPr id="6" name="Slika 5">
+            <a:extLst>
+              <a:ext uri="{FF2B5EF4-FFF2-40B4-BE49-F238E27FC236}">
+                <a16:creationId xmlns:a16="http://schemas.microsoft.com/office/drawing/2014/main" id="{F44A374B-C237-467C-4C68-94279C33C778}"/>
+              </a:ext>
+            </a:extLst>
+          </p:cNvPr>
+          <p:cNvPicPr>
+            <a:picLocks noChangeAspect="1"/>
+          </p:cNvPicPr>
+          <p:nvPr/>
+        </p:nvPicPr>
+        <p:blipFill>
+          <a:blip r:embed="rId2"/>
+          <a:stretch>
+            <a:fillRect/>
+          </a:stretch>
+        </p:blipFill>
+        <p:spPr>
+          <a:xfrm>
+            <a:off x="4157979" y="1924493"/>
+            <a:ext cx="7866421" cy="3009014"/>
+          </a:xfrm>
+          <a:prstGeom prst="rect">
+            <a:avLst/>
+          </a:prstGeom>
+        </p:spPr>
+      </p:pic>
+    </p:spTree>
+    <p:extLst>
+      <p:ext uri="{BB962C8B-B14F-4D97-AF65-F5344CB8AC3E}">
+        <p14:creationId xmlns:p14="http://schemas.microsoft.com/office/powerpoint/2010/main" val="717325940"/>
+      </p:ext>
+    </p:extLst>
+  </p:cSld>
+  <p:clrMapOvr>
+    <a:masterClrMapping/>
+  </p:clrMapOvr>
+</p:sld>
+</file>
+
+<file path=ppt/slides/slide7.xml><?xml version="1.0" encoding="utf-8"?>
+<p:sld xmlns:a="http://schemas.openxmlformats.org/drawingml/2006/main" xmlns:r="http://schemas.openxmlformats.org/officeDocument/2006/relationships" xmlns:p="http://schemas.openxmlformats.org/presentationml/2006/main">
+  <p:cSld>
+    <p:bg>
+      <p:bgPr>
+        <a:solidFill>
+          <a:schemeClr val="bg1"/>
+        </a:solidFill>
+        <a:effectLst/>
+      </p:bgPr>
+    </p:bg>
+    <p:spTree>
+      <p:nvGrpSpPr>
+        <p:cNvPr id="1" name=""/>
+        <p:cNvGrpSpPr/>
+        <p:nvPr/>
+      </p:nvGrpSpPr>
+      <p:grpSpPr>
+        <a:xfrm>
+          <a:off x="0" y="0"/>
+          <a:ext cx="0" cy="0"/>
+          <a:chOff x="0" y="0"/>
+          <a:chExt cx="0" cy="0"/>
+        </a:xfrm>
+      </p:grpSpPr>
+      <p:sp useBgFill="1">
+        <p:nvSpPr>
+          <p:cNvPr id="9" name="Rectangle 8">
+            <a:extLst>
+              <a:ext uri="{FF2B5EF4-FFF2-40B4-BE49-F238E27FC236}">
+                <a16:creationId xmlns:a16="http://schemas.microsoft.com/office/drawing/2014/main" id="{BACC6370-2D7E-4714-9D71-7542949D7D5D}"/>
+              </a:ext>
+              <a:ext uri="{C183D7F6-B498-43B3-948B-1728B52AA6E4}">
+                <adec:decorative xmlns:adec="http://schemas.microsoft.com/office/drawing/2017/decorative" val="1"/>
+              </a:ext>
+            </a:extLst>
+          </p:cNvPr>
+          <p:cNvSpPr>
+            <a:spLocks noGrp="1" noRot="1" noChangeAspect="1" noMove="1" noResize="1" noEditPoints="1" noAdjustHandles="1" noChangeArrowheads="1" noChangeShapeType="1" noTextEdit="1"/>
+          </p:cNvSpPr>
+          <p:nvPr>
+            <p:extLst>
+              <p:ext uri="{386F3935-93C4-4BCD-93E2-E3B085C9AB24}">
+                <p16:designElem xmlns:p16="http://schemas.microsoft.com/office/powerpoint/2015/main" val="1"/>
+              </p:ext>
+            </p:extLst>
+          </p:nvPr>
+        </p:nvSpPr>
+        <p:spPr>
+          <a:xfrm>
+            <a:off x="0" y="0"/>
+            <a:ext cx="12192000" cy="6858000"/>
+          </a:xfrm>
+          <a:prstGeom prst="rect">
+            <a:avLst/>
+          </a:prstGeom>
+          <a:ln w="12700" cap="flat" cmpd="sng" algn="ctr">
+            <a:noFill/>
+            <a:prstDash val="solid"/>
+            <a:miter lim="800000"/>
+          </a:ln>
+          <a:effectLst/>
+          <a:extLst>
+            <a:ext uri="{91240B29-F687-4F45-9708-019B960494DF}">
+              <a14:hiddenLine xmlns:a14="http://schemas.microsoft.com/office/drawing/2010/main" w="12700" cap="flat" cmpd="sng" algn="ctr">
+                <a:solidFill>
+                  <a:schemeClr val="accent1">
+                    <a:shade val="50000"/>
+                  </a:schemeClr>
+                </a:solidFill>
+                <a:prstDash val="solid"/>
+                <a:miter lim="800000"/>
+              </a14:hiddenLine>
+            </a:ext>
+          </a:extLst>
+        </p:spPr>
+        <p:style>
+          <a:lnRef idx="2">
+            <a:schemeClr val="accent1">
+              <a:shade val="50000"/>
+            </a:schemeClr>
+          </a:lnRef>
+          <a:fillRef idx="1">
+            <a:schemeClr val="accent1"/>
+          </a:fillRef>
+          <a:effectRef idx="0">
+            <a:schemeClr val="accent1"/>
+          </a:effectRef>
+          <a:fontRef idx="minor">
+            <a:schemeClr val="lt1"/>
+          </a:fontRef>
+        </p:style>
+        <p:txBody>
+          <a:bodyPr rtlCol="0" anchor="ctr"/>
+          <a:lstStyle/>
+          <a:p>
+            <a:pPr algn="ctr"/>
+            <a:endParaRPr lang="en-US"/>
+          </a:p>
+        </p:txBody>
+      </p:sp>
+      <p:sp>
+        <p:nvSpPr>
+          <p:cNvPr id="11" name="Rectangle 10">
+            <a:extLst>
+              <a:ext uri="{FF2B5EF4-FFF2-40B4-BE49-F238E27FC236}">
+                <a16:creationId xmlns:a16="http://schemas.microsoft.com/office/drawing/2014/main" id="{256B2C21-A230-48C0-8DF1-C46611373C44}"/>
+              </a:ext>
+              <a:ext uri="{C183D7F6-B498-43B3-948B-1728B52AA6E4}">
+                <adec:decorative xmlns:adec="http://schemas.microsoft.com/office/drawing/2017/decorative" val="1"/>
+              </a:ext>
+            </a:extLst>
+          </p:cNvPr>
+          <p:cNvSpPr>
+            <a:spLocks noGrp="1" noRot="1" noChangeAspect="1" noMove="1" noResize="1" noEditPoints="1" noAdjustHandles="1" noChangeArrowheads="1" noChangeShapeType="1" noTextEdit="1"/>
+          </p:cNvSpPr>
+          <p:nvPr>
+            <p:extLst>
+              <p:ext uri="{386F3935-93C4-4BCD-93E2-E3B085C9AB24}">
+                <p16:designElem xmlns:p16="http://schemas.microsoft.com/office/powerpoint/2015/main" val="1"/>
+              </p:ext>
+            </p:extLst>
+          </p:nvPr>
+        </p:nvSpPr>
+        <p:spPr>
+          <a:xfrm rot="5400000" flipH="1">
+            <a:off x="-1410084" y="1410082"/>
+            <a:ext cx="6858000" cy="4037836"/>
+          </a:xfrm>
+          <a:prstGeom prst="rect">
+            <a:avLst/>
+          </a:prstGeom>
+          <a:gradFill>
+            <a:gsLst>
+              <a:gs pos="8000">
+                <a:srgbClr val="000000"/>
+              </a:gs>
+              <a:gs pos="100000">
+                <a:schemeClr val="accent1">
+                  <a:lumMod val="75000"/>
+                </a:schemeClr>
+              </a:gs>
+            </a:gsLst>
+            <a:lin ang="3000000" scaled="0"/>
+          </a:gradFill>
+          <a:ln>
+            <a:noFill/>
+          </a:ln>
+        </p:spPr>
+        <p:style>
+          <a:lnRef idx="2">
+            <a:schemeClr val="accent1">
+              <a:shade val="50000"/>
+            </a:schemeClr>
+          </a:lnRef>
+          <a:fillRef idx="1">
+            <a:schemeClr val="accent1"/>
+          </a:fillRef>
+          <a:effectRef idx="0">
+            <a:schemeClr val="accent1"/>
+          </a:effectRef>
+          <a:fontRef idx="minor">
+            <a:schemeClr val="lt1"/>
+          </a:fontRef>
+        </p:style>
+        <p:txBody>
+          <a:bodyPr rtlCol="0" anchor="ctr"/>
+          <a:lstStyle/>
+          <a:p>
+            <a:pPr algn="ctr"/>
+            <a:endParaRPr lang="en-US"/>
+          </a:p>
+        </p:txBody>
+      </p:sp>
+      <p:sp>
+        <p:nvSpPr>
+          <p:cNvPr id="13" name="Rectangle 12">
+            <a:extLst>
+              <a:ext uri="{FF2B5EF4-FFF2-40B4-BE49-F238E27FC236}">
+                <a16:creationId xmlns:a16="http://schemas.microsoft.com/office/drawing/2014/main" id="{3847E18C-932D-4C95-AABA-FEC7C9499AD7}"/>
+              </a:ext>
+              <a:ext uri="{C183D7F6-B498-43B3-948B-1728B52AA6E4}">
+                <adec:decorative xmlns:adec="http://schemas.microsoft.com/office/drawing/2017/decorative" val="1"/>
+              </a:ext>
+            </a:extLst>
+          </p:cNvPr>
+          <p:cNvSpPr>
+            <a:spLocks noGrp="1" noRot="1" noChangeAspect="1" noMove="1" noResize="1" noEditPoints="1" noAdjustHandles="1" noChangeArrowheads="1" noChangeShapeType="1" noTextEdit="1"/>
+          </p:cNvSpPr>
+          <p:nvPr>
+            <p:extLst>
+              <p:ext uri="{386F3935-93C4-4BCD-93E2-E3B085C9AB24}">
+                <p16:designElem xmlns:p16="http://schemas.microsoft.com/office/powerpoint/2015/main" val="1"/>
+              </p:ext>
+            </p:extLst>
+          </p:nvPr>
+        </p:nvSpPr>
+        <p:spPr>
+          <a:xfrm rot="5400000" flipH="1">
+            <a:off x="-1410085" y="1420219"/>
+            <a:ext cx="6857999" cy="4037839"/>
+          </a:xfrm>
+          <a:prstGeom prst="rect">
+            <a:avLst/>
+          </a:prstGeom>
+          <a:gradFill>
+            <a:gsLst>
+              <a:gs pos="0">
+                <a:srgbClr val="000000">
+                  <a:alpha val="0"/>
+                </a:srgbClr>
+              </a:gs>
+              <a:gs pos="99000">
+                <a:schemeClr val="accent1">
+                  <a:alpha val="46000"/>
+                </a:schemeClr>
+              </a:gs>
+            </a:gsLst>
+            <a:lin ang="1800000" scaled="0"/>
+          </a:gradFill>
+          <a:ln>
+            <a:noFill/>
+          </a:ln>
+        </p:spPr>
+        <p:style>
+          <a:lnRef idx="2">
+            <a:schemeClr val="accent1">
+              <a:shade val="50000"/>
+            </a:schemeClr>
+          </a:lnRef>
+          <a:fillRef idx="1">
+            <a:schemeClr val="accent1"/>
+          </a:fillRef>
+          <a:effectRef idx="0">
+            <a:schemeClr val="accent1"/>
+          </a:effectRef>
+          <a:fontRef idx="minor">
+            <a:schemeClr val="lt1"/>
+          </a:fontRef>
+        </p:style>
+        <p:txBody>
+          <a:bodyPr rtlCol="0" anchor="ctr"/>
+          <a:lstStyle/>
+          <a:p>
+            <a:pPr algn="ctr"/>
+            <a:endParaRPr lang="en-US"/>
+          </a:p>
+        </p:txBody>
+      </p:sp>
+      <p:sp>
+        <p:nvSpPr>
+          <p:cNvPr id="15" name="Rectangle 14">
+            <a:extLst>
+              <a:ext uri="{FF2B5EF4-FFF2-40B4-BE49-F238E27FC236}">
+                <a16:creationId xmlns:a16="http://schemas.microsoft.com/office/drawing/2014/main" id="{3150CB11-0C61-439E-910F-5787759E72A0}"/>
+              </a:ext>
+              <a:ext uri="{C183D7F6-B498-43B3-948B-1728B52AA6E4}">
+                <adec:decorative xmlns:adec="http://schemas.microsoft.com/office/drawing/2017/decorative" val="1"/>
+              </a:ext>
+            </a:extLst>
+          </p:cNvPr>
+          <p:cNvSpPr>
+            <a:spLocks noGrp="1" noRot="1" noChangeAspect="1" noMove="1" noResize="1" noEditPoints="1" noAdjustHandles="1" noChangeArrowheads="1" noChangeShapeType="1" noTextEdit="1"/>
+          </p:cNvSpPr>
+          <p:nvPr>
+            <p:extLst>
+              <p:ext uri="{386F3935-93C4-4BCD-93E2-E3B085C9AB24}">
+                <p16:designElem xmlns:p16="http://schemas.microsoft.com/office/powerpoint/2015/main" val="1"/>
+              </p:ext>
+            </p:extLst>
+          </p:nvPr>
+        </p:nvSpPr>
+        <p:spPr>
+          <a:xfrm rot="5400000" flipH="1">
+            <a:off x="767923" y="3588085"/>
+            <a:ext cx="2501979" cy="4037841"/>
+          </a:xfrm>
+          <a:prstGeom prst="rect">
+            <a:avLst/>
+          </a:prstGeom>
+          <a:gradFill>
+            <a:gsLst>
+              <a:gs pos="2000">
+                <a:schemeClr val="accent1">
+                  <a:alpha val="29000"/>
+                </a:schemeClr>
+              </a:gs>
+              <a:gs pos="100000">
+                <a:srgbClr val="000000">
+                  <a:alpha val="30000"/>
+                </a:srgbClr>
+              </a:gs>
+            </a:gsLst>
+            <a:lin ang="7800000" scaled="0"/>
+          </a:gradFill>
+          <a:ln>
+            <a:noFill/>
+          </a:ln>
+        </p:spPr>
+        <p:style>
+          <a:lnRef idx="2">
+            <a:schemeClr val="accent1">
+              <a:shade val="50000"/>
+            </a:schemeClr>
+          </a:lnRef>
+          <a:fillRef idx="1">
+            <a:schemeClr val="accent1"/>
+          </a:fillRef>
+          <a:effectRef idx="0">
+            <a:schemeClr val="accent1"/>
+          </a:effectRef>
+          <a:fontRef idx="minor">
+            <a:schemeClr val="lt1"/>
+          </a:fontRef>
+        </p:style>
+        <p:txBody>
+          <a:bodyPr rtlCol="0" anchor="ctr"/>
+          <a:lstStyle/>
+          <a:p>
+            <a:pPr algn="ctr"/>
+            <a:endParaRPr lang="en-US" dirty="0"/>
+          </a:p>
+        </p:txBody>
+      </p:sp>
+      <p:sp>
+        <p:nvSpPr>
+          <p:cNvPr id="17" name="Freeform: Shape 16">
+            <a:extLst>
+              <a:ext uri="{FF2B5EF4-FFF2-40B4-BE49-F238E27FC236}">
+                <a16:creationId xmlns:a16="http://schemas.microsoft.com/office/drawing/2014/main" id="{43F8A58B-5155-44CE-A5FF-7647B47D0A7A}"/>
+              </a:ext>
+              <a:ext uri="{C183D7F6-B498-43B3-948B-1728B52AA6E4}">
+                <adec:decorative xmlns:adec="http://schemas.microsoft.com/office/drawing/2017/decorative" val="1"/>
+              </a:ext>
+            </a:extLst>
+          </p:cNvPr>
+          <p:cNvSpPr>
+            <a:spLocks noGrp="1" noRot="1" noChangeAspect="1" noMove="1" noResize="1" noEditPoints="1" noAdjustHandles="1" noChangeArrowheads="1" noChangeShapeType="1" noTextEdit="1"/>
+          </p:cNvSpPr>
+          <p:nvPr>
+            <p:extLst>
+              <p:ext uri="{386F3935-93C4-4BCD-93E2-E3B085C9AB24}">
+                <p16:designElem xmlns:p16="http://schemas.microsoft.com/office/powerpoint/2015/main" val="1"/>
+              </p:ext>
+            </p:extLst>
+          </p:nvPr>
+        </p:nvSpPr>
+        <p:spPr>
+          <a:xfrm rot="20635413">
+            <a:off x="-501737" y="969718"/>
+            <a:ext cx="3900357" cy="4178958"/>
+          </a:xfrm>
+          <a:custGeom>
+            <a:avLst/>
+            <a:gdLst>
+              <a:gd name="connsiteX0" fmla="*/ 2432225 w 3900357"/>
+              <a:gd name="connsiteY0" fmla="*/ 93939 h 4178958"/>
+              <a:gd name="connsiteX1" fmla="*/ 3900357 w 3900357"/>
+              <a:gd name="connsiteY1" fmla="*/ 2089479 h 4178958"/>
+              <a:gd name="connsiteX2" fmla="*/ 1810878 w 3900357"/>
+              <a:gd name="connsiteY2" fmla="*/ 4178958 h 4178958"/>
+              <a:gd name="connsiteX3" fmla="*/ 78249 w 3900357"/>
+              <a:gd name="connsiteY3" fmla="*/ 3257727 h 4178958"/>
+              <a:gd name="connsiteX4" fmla="*/ 0 w 3900357"/>
+              <a:gd name="connsiteY4" fmla="*/ 3128923 h 4178958"/>
+              <a:gd name="connsiteX5" fmla="*/ 831324 w 3900357"/>
+              <a:gd name="connsiteY5" fmla="*/ 244281 h 4178958"/>
+              <a:gd name="connsiteX6" fmla="*/ 997559 w 3900357"/>
+              <a:gd name="connsiteY6" fmla="*/ 164202 h 4178958"/>
+              <a:gd name="connsiteX7" fmla="*/ 1810878 w 3900357"/>
+              <a:gd name="connsiteY7" fmla="*/ 0 h 4178958"/>
+              <a:gd name="connsiteX8" fmla="*/ 2432225 w 3900357"/>
+              <a:gd name="connsiteY8" fmla="*/ 93939 h 4178958"/>
+            </a:gdLst>
+            <a:ahLst/>
+            <a:cxnLst>
+              <a:cxn ang="0">
+                <a:pos x="connsiteX0" y="connsiteY0"/>
+              </a:cxn>
+              <a:cxn ang="0">
+                <a:pos x="connsiteX1" y="connsiteY1"/>
+              </a:cxn>
+              <a:cxn ang="0">
+                <a:pos x="connsiteX2" y="connsiteY2"/>
+              </a:cxn>
+              <a:cxn ang="0">
+                <a:pos x="connsiteX3" y="connsiteY3"/>
+              </a:cxn>
+              <a:cxn ang="0">
+                <a:pos x="connsiteX4" y="connsiteY4"/>
+              </a:cxn>
+              <a:cxn ang="0">
+                <a:pos x="connsiteX5" y="connsiteY5"/>
+              </a:cxn>
+              <a:cxn ang="0">
+                <a:pos x="connsiteX6" y="connsiteY6"/>
+              </a:cxn>
+              <a:cxn ang="0">
+                <a:pos x="connsiteX7" y="connsiteY7"/>
+              </a:cxn>
+              <a:cxn ang="0">
+                <a:pos x="connsiteX8" y="connsiteY8"/>
+              </a:cxn>
+            </a:cxnLst>
+            <a:rect l="l" t="t" r="r" b="b"/>
+            <a:pathLst>
+              <a:path w="3900357" h="4178958">
+                <a:moveTo>
+                  <a:pt x="2432225" y="93939"/>
+                </a:moveTo>
+                <a:cubicBezTo>
+                  <a:pt x="3282786" y="358491"/>
+                  <a:pt x="3900357" y="1151865"/>
+                  <a:pt x="3900357" y="2089479"/>
+                </a:cubicBezTo>
+                <a:cubicBezTo>
+                  <a:pt x="3900357" y="3243466"/>
+                  <a:pt x="2964865" y="4178958"/>
+                  <a:pt x="1810878" y="4178958"/>
+                </a:cubicBezTo>
+                <a:cubicBezTo>
+                  <a:pt x="1089636" y="4178958"/>
+                  <a:pt x="453744" y="3813531"/>
+                  <a:pt x="78249" y="3257727"/>
+                </a:cubicBezTo>
+                <a:lnTo>
+                  <a:pt x="0" y="3128923"/>
+                </a:lnTo>
+                <a:lnTo>
+                  <a:pt x="831324" y="244281"/>
+                </a:lnTo>
+                <a:lnTo>
+                  <a:pt x="997559" y="164202"/>
+                </a:lnTo>
+                <a:cubicBezTo>
+                  <a:pt x="1247540" y="58468"/>
+                  <a:pt x="1522381" y="0"/>
+                  <a:pt x="1810878" y="0"/>
+                </a:cubicBezTo>
+                <a:cubicBezTo>
+                  <a:pt x="2027251" y="0"/>
+                  <a:pt x="2235942" y="32888"/>
+                  <a:pt x="2432225" y="93939"/>
+                </a:cubicBezTo>
+                <a:close/>
+              </a:path>
+            </a:pathLst>
+          </a:custGeom>
+          <a:gradFill>
+            <a:gsLst>
+              <a:gs pos="29000">
+                <a:srgbClr val="000000">
+                  <a:alpha val="0"/>
+                </a:srgbClr>
+              </a:gs>
+              <a:gs pos="100000">
+                <a:schemeClr val="accent1">
+                  <a:alpha val="43000"/>
+                </a:schemeClr>
+              </a:gs>
+            </a:gsLst>
+            <a:lin ang="1800000" scaled="0"/>
+          </a:gradFill>
+          <a:ln>
+            <a:noFill/>
+          </a:ln>
+        </p:spPr>
+        <p:style>
+          <a:lnRef idx="2">
+            <a:schemeClr val="accent1">
+              <a:shade val="50000"/>
+            </a:schemeClr>
+          </a:lnRef>
+          <a:fillRef idx="1">
+            <a:schemeClr val="accent1"/>
+          </a:fillRef>
+          <a:effectRef idx="0">
+            <a:schemeClr val="accent1"/>
+          </a:effectRef>
+          <a:fontRef idx="minor">
+            <a:schemeClr val="lt1"/>
+          </a:fontRef>
+        </p:style>
+        <p:txBody>
+          <a:bodyPr wrap="square" rtlCol="0" anchor="ctr">
+            <a:noAutofit/>
+          </a:bodyPr>
+          <a:lstStyle/>
+          <a:p>
+            <a:pPr algn="ctr"/>
+            <a:endParaRPr lang="en-US" dirty="0"/>
+          </a:p>
+        </p:txBody>
+      </p:sp>
+      <p:sp>
+        <p:nvSpPr>
+          <p:cNvPr id="19" name="Rectangle 18">
+            <a:extLst>
+              <a:ext uri="{FF2B5EF4-FFF2-40B4-BE49-F238E27FC236}">
+                <a16:creationId xmlns:a16="http://schemas.microsoft.com/office/drawing/2014/main" id="{443F2ACA-E6D6-4028-82DD-F03C262D5DE6}"/>
+              </a:ext>
+              <a:ext uri="{C183D7F6-B498-43B3-948B-1728B52AA6E4}">
+                <adec:decorative xmlns:adec="http://schemas.microsoft.com/office/drawing/2017/decorative" val="1"/>
+              </a:ext>
+            </a:extLst>
+          </p:cNvPr>
+          <p:cNvSpPr>
+            <a:spLocks noGrp="1" noRot="1" noChangeAspect="1" noMove="1" noResize="1" noEditPoints="1" noAdjustHandles="1" noChangeArrowheads="1" noChangeShapeType="1" noTextEdit="1"/>
+          </p:cNvSpPr>
+          <p:nvPr>
+            <p:extLst>
+              <p:ext uri="{386F3935-93C4-4BCD-93E2-E3B085C9AB24}">
+                <p16:designElem xmlns:p16="http://schemas.microsoft.com/office/powerpoint/2015/main" val="1"/>
+              </p:ext>
+            </p:extLst>
+          </p:nvPr>
+        </p:nvSpPr>
+        <p:spPr>
+          <a:xfrm rot="5400000" flipH="1">
+            <a:off x="-1410095" y="1410079"/>
+            <a:ext cx="6858003" cy="4037835"/>
+          </a:xfrm>
+          <a:prstGeom prst="rect">
+            <a:avLst/>
+          </a:prstGeom>
+          <a:gradFill>
+            <a:gsLst>
+              <a:gs pos="0">
+                <a:srgbClr val="000000">
+                  <a:alpha val="0"/>
+                </a:srgbClr>
+              </a:gs>
+              <a:gs pos="99000">
+                <a:schemeClr val="accent1">
+                  <a:lumMod val="60000"/>
+                  <a:lumOff val="40000"/>
+                  <a:alpha val="11000"/>
+                </a:schemeClr>
+              </a:gs>
+            </a:gsLst>
+            <a:lin ang="7200000" scaled="0"/>
+          </a:gradFill>
+          <a:ln>
+            <a:noFill/>
+          </a:ln>
+        </p:spPr>
+        <p:style>
+          <a:lnRef idx="2">
+            <a:schemeClr val="accent1">
+              <a:shade val="50000"/>
+            </a:schemeClr>
+          </a:lnRef>
+          <a:fillRef idx="1">
+            <a:schemeClr val="accent1"/>
+          </a:fillRef>
+          <a:effectRef idx="0">
+            <a:schemeClr val="accent1"/>
+          </a:effectRef>
+          <a:fontRef idx="minor">
+            <a:schemeClr val="lt1"/>
+          </a:fontRef>
+        </p:style>
+        <p:txBody>
+          <a:bodyPr rtlCol="0" anchor="ctr"/>
+          <a:lstStyle/>
+          <a:p>
+            <a:pPr algn="ctr"/>
+            <a:endParaRPr lang="en-US"/>
+          </a:p>
+        </p:txBody>
+      </p:sp>
+      <p:sp>
+        <p:nvSpPr>
+          <p:cNvPr id="2" name="Naslov 1">
+            <a:extLst>
+              <a:ext uri="{FF2B5EF4-FFF2-40B4-BE49-F238E27FC236}">
+                <a16:creationId xmlns:a16="http://schemas.microsoft.com/office/drawing/2014/main" id="{D3EEE73A-A8FA-A4CC-DD10-AFA79818050F}"/>
+              </a:ext>
+            </a:extLst>
+          </p:cNvPr>
+          <p:cNvSpPr>
+            <a:spLocks noGrp="1"/>
+          </p:cNvSpPr>
+          <p:nvPr>
+            <p:ph type="title"/>
+          </p:nvPr>
+        </p:nvSpPr>
+        <p:spPr>
+          <a:xfrm>
+            <a:off x="586478" y="1683756"/>
+            <a:ext cx="3115265" cy="2396359"/>
+          </a:xfrm>
+        </p:spPr>
+        <p:txBody>
+          <a:bodyPr anchor="b">
+            <a:normAutofit/>
+          </a:bodyPr>
+          <a:lstStyle/>
+          <a:p>
+            <a:pPr algn="r"/>
+            <a:r>
               <a:rPr lang="sl-SI" sz="4000">
                 <a:solidFill>
                   <a:srgbClr val="FFFFFF"/>
@@ -23306,7 +23966,7 @@
 </p:sld>
 </file>
 
-<file path=ppt/slides/slide7.xml><?xml version="1.0" encoding="utf-8"?>
+<file path=ppt/slides/slide8.xml><?xml version="1.0" encoding="utf-8"?>
 <p:sld xmlns:a="http://schemas.openxmlformats.org/drawingml/2006/main" xmlns:r="http://schemas.openxmlformats.org/officeDocument/2006/relationships" xmlns:p="http://schemas.openxmlformats.org/presentationml/2006/main">
   <p:cSld>
     <p:bg>
